--- a/REPORT/DajeTutta_presentation_Matteo.pptx
+++ b/REPORT/DajeTutta_presentation_Matteo.pptx
@@ -5,7 +5,7 @@
     <p:sldMasterId id="2147483648" r:id="rId1"/>
   </p:sldMasterIdLst>
   <p:notesMasterIdLst>
-    <p:notesMasterId r:id="rId9"/>
+    <p:notesMasterId r:id="rId11"/>
   </p:notesMasterIdLst>
   <p:sldIdLst>
     <p:sldId id="283" r:id="rId2"/>
@@ -15,6 +15,8 @@
     <p:sldId id="286" r:id="rId6"/>
     <p:sldId id="287" r:id="rId7"/>
     <p:sldId id="288" r:id="rId8"/>
+    <p:sldId id="289" r:id="rId9"/>
+    <p:sldId id="290" r:id="rId10"/>
   </p:sldIdLst>
   <p:sldSz cx="12192000" cy="6858000"/>
   <p:notesSz cx="6858000" cy="9144000"/>
@@ -1363,7 +1365,7 @@
           <a:p>
             <a:fld id="{4DF70E9E-4FE4-4F44-BD94-0ED0B0E6F2E8}" type="datetimeFigureOut">
               <a:rPr lang="it-IT" smtClean="0"/>
-              <a:t>05/06/2024</a:t>
+              <a:t>08/06/2024</a:t>
             </a:fld>
             <a:endParaRPr lang="it-IT"/>
           </a:p>
@@ -2254,6 +2256,184 @@
 </p:notes>
 </file>
 
+<file path=ppt/notesSlides/notesSlide8.xml><?xml version="1.0" encoding="utf-8"?>
+<p:notes xmlns:a="http://schemas.openxmlformats.org/drawingml/2006/main" xmlns:r="http://schemas.openxmlformats.org/officeDocument/2006/relationships" xmlns:p="http://schemas.openxmlformats.org/presentationml/2006/main">
+  <p:cSld>
+    <p:spTree>
+      <p:nvGrpSpPr>
+        <p:cNvPr id="1" name=""/>
+        <p:cNvGrpSpPr/>
+        <p:nvPr/>
+      </p:nvGrpSpPr>
+      <p:grpSpPr>
+        <a:xfrm>
+          <a:off x="0" y="0"/>
+          <a:ext cx="0" cy="0"/>
+          <a:chOff x="0" y="0"/>
+          <a:chExt cx="0" cy="0"/>
+        </a:xfrm>
+      </p:grpSpPr>
+      <p:sp>
+        <p:nvSpPr>
+          <p:cNvPr id="2" name="Segnaposto immagine diapositiva 1"/>
+          <p:cNvSpPr>
+            <a:spLocks noGrp="1" noRot="1" noChangeAspect="1"/>
+          </p:cNvSpPr>
+          <p:nvPr>
+            <p:ph type="sldImg"/>
+          </p:nvPr>
+        </p:nvSpPr>
+        <p:spPr>
+          <a:xfrm>
+            <a:off x="685800" y="1143000"/>
+            <a:ext cx="5486400" cy="3086100"/>
+          </a:xfrm>
+        </p:spPr>
+      </p:sp>
+      <p:sp>
+        <p:nvSpPr>
+          <p:cNvPr id="3" name="Segnaposto note 2"/>
+          <p:cNvSpPr>
+            <a:spLocks noGrp="1"/>
+          </p:cNvSpPr>
+          <p:nvPr>
+            <p:ph type="body" idx="1"/>
+          </p:nvPr>
+        </p:nvSpPr>
+        <p:spPr/>
+        <p:txBody>
+          <a:bodyPr/>
+          <a:lstStyle/>
+          <a:p>
+            <a:endParaRPr lang="en-GB"/>
+          </a:p>
+        </p:txBody>
+      </p:sp>
+      <p:sp>
+        <p:nvSpPr>
+          <p:cNvPr id="4" name="Segnaposto numero diapositiva 3"/>
+          <p:cNvSpPr>
+            <a:spLocks noGrp="1"/>
+          </p:cNvSpPr>
+          <p:nvPr>
+            <p:ph type="sldNum" sz="quarter" idx="5"/>
+          </p:nvPr>
+        </p:nvSpPr>
+        <p:spPr/>
+        <p:txBody>
+          <a:bodyPr/>
+          <a:lstStyle/>
+          <a:p>
+            <a:fld id="{026E6D97-BBEE-4FA1-AB41-3A1BA5CF163B}" type="slidenum">
+              <a:rPr lang="it-IT" smtClean="0"/>
+              <a:t>8</a:t>
+            </a:fld>
+            <a:endParaRPr lang="it-IT"/>
+          </a:p>
+        </p:txBody>
+      </p:sp>
+    </p:spTree>
+    <p:extLst>
+      <p:ext uri="{BB962C8B-B14F-4D97-AF65-F5344CB8AC3E}">
+        <p14:creationId xmlns:p14="http://schemas.microsoft.com/office/powerpoint/2010/main" val="3486155315"/>
+      </p:ext>
+    </p:extLst>
+  </p:cSld>
+  <p:clrMapOvr>
+    <a:masterClrMapping/>
+  </p:clrMapOvr>
+</p:notes>
+</file>
+
+<file path=ppt/notesSlides/notesSlide9.xml><?xml version="1.0" encoding="utf-8"?>
+<p:notes xmlns:a="http://schemas.openxmlformats.org/drawingml/2006/main" xmlns:r="http://schemas.openxmlformats.org/officeDocument/2006/relationships" xmlns:p="http://schemas.openxmlformats.org/presentationml/2006/main">
+  <p:cSld>
+    <p:spTree>
+      <p:nvGrpSpPr>
+        <p:cNvPr id="1" name=""/>
+        <p:cNvGrpSpPr/>
+        <p:nvPr/>
+      </p:nvGrpSpPr>
+      <p:grpSpPr>
+        <a:xfrm>
+          <a:off x="0" y="0"/>
+          <a:ext cx="0" cy="0"/>
+          <a:chOff x="0" y="0"/>
+          <a:chExt cx="0" cy="0"/>
+        </a:xfrm>
+      </p:grpSpPr>
+      <p:sp>
+        <p:nvSpPr>
+          <p:cNvPr id="2" name="Segnaposto immagine diapositiva 1"/>
+          <p:cNvSpPr>
+            <a:spLocks noGrp="1" noRot="1" noChangeAspect="1"/>
+          </p:cNvSpPr>
+          <p:nvPr>
+            <p:ph type="sldImg"/>
+          </p:nvPr>
+        </p:nvSpPr>
+        <p:spPr>
+          <a:xfrm>
+            <a:off x="685800" y="1143000"/>
+            <a:ext cx="5486400" cy="3086100"/>
+          </a:xfrm>
+        </p:spPr>
+      </p:sp>
+      <p:sp>
+        <p:nvSpPr>
+          <p:cNvPr id="3" name="Segnaposto note 2"/>
+          <p:cNvSpPr>
+            <a:spLocks noGrp="1"/>
+          </p:cNvSpPr>
+          <p:nvPr>
+            <p:ph type="body" idx="1"/>
+          </p:nvPr>
+        </p:nvSpPr>
+        <p:spPr/>
+        <p:txBody>
+          <a:bodyPr/>
+          <a:lstStyle/>
+          <a:p>
+            <a:endParaRPr lang="en-GB"/>
+          </a:p>
+        </p:txBody>
+      </p:sp>
+      <p:sp>
+        <p:nvSpPr>
+          <p:cNvPr id="4" name="Segnaposto numero diapositiva 3"/>
+          <p:cNvSpPr>
+            <a:spLocks noGrp="1"/>
+          </p:cNvSpPr>
+          <p:nvPr>
+            <p:ph type="sldNum" sz="quarter" idx="5"/>
+          </p:nvPr>
+        </p:nvSpPr>
+        <p:spPr/>
+        <p:txBody>
+          <a:bodyPr/>
+          <a:lstStyle/>
+          <a:p>
+            <a:fld id="{026E6D97-BBEE-4FA1-AB41-3A1BA5CF163B}" type="slidenum">
+              <a:rPr lang="it-IT" smtClean="0"/>
+              <a:t>9</a:t>
+            </a:fld>
+            <a:endParaRPr lang="it-IT"/>
+          </a:p>
+        </p:txBody>
+      </p:sp>
+    </p:spTree>
+    <p:extLst>
+      <p:ext uri="{BB962C8B-B14F-4D97-AF65-F5344CB8AC3E}">
+        <p14:creationId xmlns:p14="http://schemas.microsoft.com/office/powerpoint/2010/main" val="3446877735"/>
+      </p:ext>
+    </p:extLst>
+  </p:cSld>
+  <p:clrMapOvr>
+    <a:masterClrMapping/>
+  </p:clrMapOvr>
+</p:notes>
+</file>
+
 <file path=ppt/slideLayouts/slideLayout1.xml><?xml version="1.0" encoding="utf-8"?>
 <p:sldLayout xmlns:a="http://schemas.openxmlformats.org/drawingml/2006/main" xmlns:r="http://schemas.openxmlformats.org/officeDocument/2006/relationships" xmlns:p="http://schemas.openxmlformats.org/presentationml/2006/main" type="obj" preserve="1">
   <p:cSld name="Titolo e contenuto">
@@ -7475,7 +7655,7 @@
         </p:blipFill>
         <p:spPr bwMode="auto">
           <a:xfrm>
-            <a:off x="2121952" y="3461004"/>
+            <a:off x="2636302" y="2869184"/>
             <a:ext cx="3362325" cy="2362200"/>
           </a:xfrm>
           <a:prstGeom prst="rect">
@@ -7522,7 +7702,7 @@
         </p:blipFill>
         <p:spPr bwMode="auto">
           <a:xfrm>
-            <a:off x="5904965" y="3461004"/>
+            <a:off x="6419315" y="2869184"/>
             <a:ext cx="2695575" cy="2286000"/>
           </a:xfrm>
           <a:prstGeom prst="rect">
@@ -8380,8 +8560,8 @@
           </a:p>
         </p:txBody>
       </p:sp>
-      <mc:AlternateContent xmlns:mc="http://schemas.openxmlformats.org/markup-compatibility/2006">
-        <mc:Choice xmlns:a14="http://schemas.microsoft.com/office/drawing/2010/main" Requires="a14">
+      <mc:AlternateContent xmlns:mc="http://schemas.openxmlformats.org/markup-compatibility/2006" xmlns:a14="http://schemas.microsoft.com/office/drawing/2010/main">
+        <mc:Choice Requires="a14">
           <p:sp>
             <p:nvSpPr>
               <p:cNvPr id="14" name="TextBox 13">
@@ -8450,7 +8630,7 @@
             </p:txBody>
           </p:sp>
         </mc:Choice>
-        <mc:Fallback>
+        <mc:Fallback xmlns="">
           <p:sp>
             <p:nvSpPr>
               <p:cNvPr id="14" name="TextBox 13">
@@ -8495,8 +8675,8 @@
           </p:sp>
         </mc:Fallback>
       </mc:AlternateContent>
-      <mc:AlternateContent xmlns:mc="http://schemas.openxmlformats.org/markup-compatibility/2006">
-        <mc:Choice xmlns:a14="http://schemas.microsoft.com/office/drawing/2010/main" Requires="a14">
+      <mc:AlternateContent xmlns:mc="http://schemas.openxmlformats.org/markup-compatibility/2006" xmlns:a14="http://schemas.microsoft.com/office/drawing/2010/main">
+        <mc:Choice Requires="a14">
           <p:sp>
             <p:nvSpPr>
               <p:cNvPr id="15" name="TextBox 14">
@@ -8565,7 +8745,7 @@
             </p:txBody>
           </p:sp>
         </mc:Choice>
-        <mc:Fallback>
+        <mc:Fallback xmlns="">
           <p:sp>
             <p:nvSpPr>
               <p:cNvPr id="15" name="TextBox 14">
@@ -8610,8 +8790,8 @@
           </p:sp>
         </mc:Fallback>
       </mc:AlternateContent>
-      <mc:AlternateContent xmlns:mc="http://schemas.openxmlformats.org/markup-compatibility/2006">
-        <mc:Choice xmlns:a14="http://schemas.microsoft.com/office/drawing/2010/main" Requires="a14">
+      <mc:AlternateContent xmlns:mc="http://schemas.openxmlformats.org/markup-compatibility/2006" xmlns:a14="http://schemas.microsoft.com/office/drawing/2010/main">
+        <mc:Choice Requires="a14">
           <p:sp>
             <p:nvSpPr>
               <p:cNvPr id="16" name="TextBox 15">
@@ -8680,7 +8860,7 @@
             </p:txBody>
           </p:sp>
         </mc:Choice>
-        <mc:Fallback>
+        <mc:Fallback xmlns="">
           <p:sp>
             <p:nvSpPr>
               <p:cNvPr id="16" name="TextBox 15">
@@ -8866,8 +9046,8 @@
           </a:p>
         </p:txBody>
       </p:sp>
-      <mc:AlternateContent xmlns:mc="http://schemas.openxmlformats.org/markup-compatibility/2006">
-        <mc:Choice xmlns:a14="http://schemas.microsoft.com/office/drawing/2010/main" Requires="a14">
+      <mc:AlternateContent xmlns:mc="http://schemas.openxmlformats.org/markup-compatibility/2006" xmlns:a14="http://schemas.microsoft.com/office/drawing/2010/main">
+        <mc:Choice Requires="a14">
           <p:sp>
             <p:nvSpPr>
               <p:cNvPr id="18" name="TextBox 17">
@@ -8935,7 +9115,7 @@
             </p:txBody>
           </p:sp>
         </mc:Choice>
-        <mc:Fallback>
+        <mc:Fallback xmlns="">
           <p:sp>
             <p:nvSpPr>
               <p:cNvPr id="18" name="TextBox 17">
@@ -8980,8 +9160,8 @@
           </p:sp>
         </mc:Fallback>
       </mc:AlternateContent>
-      <mc:AlternateContent xmlns:mc="http://schemas.openxmlformats.org/markup-compatibility/2006">
-        <mc:Choice xmlns:a14="http://schemas.microsoft.com/office/drawing/2010/main" Requires="a14">
+      <mc:AlternateContent xmlns:mc="http://schemas.openxmlformats.org/markup-compatibility/2006" xmlns:a14="http://schemas.microsoft.com/office/drawing/2010/main">
+        <mc:Choice Requires="a14">
           <p:sp>
             <p:nvSpPr>
               <p:cNvPr id="19" name="TextBox 18">
@@ -9043,7 +9223,7 @@
             </p:txBody>
           </p:sp>
         </mc:Choice>
-        <mc:Fallback>
+        <mc:Fallback xmlns="">
           <p:sp>
             <p:nvSpPr>
               <p:cNvPr id="19" name="TextBox 18">
@@ -9088,8 +9268,8 @@
           </p:sp>
         </mc:Fallback>
       </mc:AlternateContent>
-      <mc:AlternateContent xmlns:mc="http://schemas.openxmlformats.org/markup-compatibility/2006">
-        <mc:Choice xmlns:a14="http://schemas.microsoft.com/office/drawing/2010/main" Requires="a14">
+      <mc:AlternateContent xmlns:mc="http://schemas.openxmlformats.org/markup-compatibility/2006" xmlns:a14="http://schemas.microsoft.com/office/drawing/2010/main">
+        <mc:Choice Requires="a14">
           <p:sp>
             <p:nvSpPr>
               <p:cNvPr id="20" name="TextBox 19">
@@ -9151,7 +9331,7 @@
             </p:txBody>
           </p:sp>
         </mc:Choice>
-        <mc:Fallback>
+        <mc:Fallback xmlns="">
           <p:sp>
             <p:nvSpPr>
               <p:cNvPr id="20" name="TextBox 19">
@@ -9602,8 +9782,8 @@
           </a:p>
         </p:txBody>
       </p:sp>
-      <mc:AlternateContent xmlns:mc="http://schemas.openxmlformats.org/markup-compatibility/2006">
-        <mc:Choice xmlns:a14="http://schemas.microsoft.com/office/drawing/2010/main" Requires="a14">
+      <mc:AlternateContent xmlns:mc="http://schemas.openxmlformats.org/markup-compatibility/2006" xmlns:a14="http://schemas.microsoft.com/office/drawing/2010/main">
+        <mc:Choice Requires="a14">
           <p:sp>
             <p:nvSpPr>
               <p:cNvPr id="8" name="TextBox 7">
@@ -9674,7 +9854,7 @@
             </p:txBody>
           </p:sp>
         </mc:Choice>
-        <mc:Fallback>
+        <mc:Fallback xmlns="">
           <p:sp>
             <p:nvSpPr>
               <p:cNvPr id="8" name="TextBox 7">
@@ -9719,8 +9899,8 @@
           </p:sp>
         </mc:Fallback>
       </mc:AlternateContent>
-      <mc:AlternateContent xmlns:mc="http://schemas.openxmlformats.org/markup-compatibility/2006">
-        <mc:Choice xmlns:a14="http://schemas.microsoft.com/office/drawing/2010/main" Requires="a14">
+      <mc:AlternateContent xmlns:mc="http://schemas.openxmlformats.org/markup-compatibility/2006" xmlns:a14="http://schemas.microsoft.com/office/drawing/2010/main">
+        <mc:Choice Requires="a14">
           <p:sp>
             <p:nvSpPr>
               <p:cNvPr id="9" name="TextBox 8">
@@ -9789,7 +9969,7 @@
             </p:txBody>
           </p:sp>
         </mc:Choice>
-        <mc:Fallback>
+        <mc:Fallback xmlns="">
           <p:sp>
             <p:nvSpPr>
               <p:cNvPr id="9" name="TextBox 8">
@@ -9834,8 +10014,8 @@
           </p:sp>
         </mc:Fallback>
       </mc:AlternateContent>
-      <mc:AlternateContent xmlns:mc="http://schemas.openxmlformats.org/markup-compatibility/2006">
-        <mc:Choice xmlns:a14="http://schemas.microsoft.com/office/drawing/2010/main" Requires="a14">
+      <mc:AlternateContent xmlns:mc="http://schemas.openxmlformats.org/markup-compatibility/2006" xmlns:a14="http://schemas.microsoft.com/office/drawing/2010/main">
+        <mc:Choice Requires="a14">
           <p:sp>
             <p:nvSpPr>
               <p:cNvPr id="10" name="TextBox 9">
@@ -9904,7 +10084,7 @@
             </p:txBody>
           </p:sp>
         </mc:Choice>
-        <mc:Fallback>
+        <mc:Fallback xmlns="">
           <p:sp>
             <p:nvSpPr>
               <p:cNvPr id="10" name="TextBox 9">
@@ -9949,8 +10129,8 @@
           </p:sp>
         </mc:Fallback>
       </mc:AlternateContent>
-      <mc:AlternateContent xmlns:mc="http://schemas.openxmlformats.org/markup-compatibility/2006">
-        <mc:Choice xmlns:a14="http://schemas.microsoft.com/office/drawing/2010/main" Requires="a14">
+      <mc:AlternateContent xmlns:mc="http://schemas.openxmlformats.org/markup-compatibility/2006" xmlns:a14="http://schemas.microsoft.com/office/drawing/2010/main">
+        <mc:Choice Requires="a14">
           <p:sp>
             <p:nvSpPr>
               <p:cNvPr id="17" name="TextBox 16">
@@ -10021,7 +10201,7 @@
             </p:txBody>
           </p:sp>
         </mc:Choice>
-        <mc:Fallback>
+        <mc:Fallback xmlns="">
           <p:sp>
             <p:nvSpPr>
               <p:cNvPr id="17" name="TextBox 16">
@@ -10066,8 +10246,8 @@
           </p:sp>
         </mc:Fallback>
       </mc:AlternateContent>
-      <mc:AlternateContent xmlns:mc="http://schemas.openxmlformats.org/markup-compatibility/2006">
-        <mc:Choice xmlns:a14="http://schemas.microsoft.com/office/drawing/2010/main" Requires="a14">
+      <mc:AlternateContent xmlns:mc="http://schemas.openxmlformats.org/markup-compatibility/2006" xmlns:a14="http://schemas.microsoft.com/office/drawing/2010/main">
+        <mc:Choice Requires="a14">
           <p:sp>
             <p:nvSpPr>
               <p:cNvPr id="18" name="Rectangle 17">
@@ -10199,7 +10379,7 @@
             </p:txBody>
           </p:sp>
         </mc:Choice>
-        <mc:Fallback>
+        <mc:Fallback xmlns="">
           <p:sp>
             <p:nvSpPr>
               <p:cNvPr id="18" name="Rectangle 17">
@@ -10251,8 +10431,8 @@
           </p:sp>
         </mc:Fallback>
       </mc:AlternateContent>
-      <mc:AlternateContent xmlns:mc="http://schemas.openxmlformats.org/markup-compatibility/2006">
-        <mc:Choice xmlns:a14="http://schemas.microsoft.com/office/drawing/2010/main" Requires="a14">
+      <mc:AlternateContent xmlns:mc="http://schemas.openxmlformats.org/markup-compatibility/2006" xmlns:a14="http://schemas.microsoft.com/office/drawing/2010/main">
+        <mc:Choice Requires="a14">
           <p:sp>
             <p:nvSpPr>
               <p:cNvPr id="19" name="Rectangle 18">
@@ -10366,7 +10546,7 @@
             </p:txBody>
           </p:sp>
         </mc:Choice>
-        <mc:Fallback>
+        <mc:Fallback xmlns="">
           <p:sp>
             <p:nvSpPr>
               <p:cNvPr id="19" name="Rectangle 18">
@@ -10465,8 +10645,8 @@
           </a:p>
         </p:txBody>
       </p:sp>
-      <mc:AlternateContent xmlns:mc="http://schemas.openxmlformats.org/markup-compatibility/2006">
-        <mc:Choice xmlns:a14="http://schemas.microsoft.com/office/drawing/2010/main" Requires="a14">
+      <mc:AlternateContent xmlns:mc="http://schemas.openxmlformats.org/markup-compatibility/2006" xmlns:a14="http://schemas.microsoft.com/office/drawing/2010/main">
+        <mc:Choice Requires="a14">
           <p:sp>
             <p:nvSpPr>
               <p:cNvPr id="25" name="Rectangle 24">
@@ -10603,7 +10783,7 @@
             </p:txBody>
           </p:sp>
         </mc:Choice>
-        <mc:Fallback>
+        <mc:Fallback xmlns="">
           <p:sp>
             <p:nvSpPr>
               <p:cNvPr id="25" name="Rectangle 24">
@@ -10655,8 +10835,8 @@
           </p:sp>
         </mc:Fallback>
       </mc:AlternateContent>
-      <mc:AlternateContent xmlns:mc="http://schemas.openxmlformats.org/markup-compatibility/2006">
-        <mc:Choice xmlns:a14="http://schemas.microsoft.com/office/drawing/2010/main" Requires="a14">
+      <mc:AlternateContent xmlns:mc="http://schemas.openxmlformats.org/markup-compatibility/2006" xmlns:a14="http://schemas.microsoft.com/office/drawing/2010/main">
+        <mc:Choice Requires="a14">
           <p:sp>
             <p:nvSpPr>
               <p:cNvPr id="26" name="Rectangle 25">
@@ -10758,7 +10938,7 @@
             </p:txBody>
           </p:sp>
         </mc:Choice>
-        <mc:Fallback>
+        <mc:Fallback xmlns="">
           <p:sp>
             <p:nvSpPr>
               <p:cNvPr id="26" name="Rectangle 25">
@@ -10998,8 +11178,8 @@
           </a:p>
         </p:txBody>
       </p:sp>
-      <mc:AlternateContent xmlns:mc="http://schemas.openxmlformats.org/markup-compatibility/2006">
-        <mc:Choice xmlns:a14="http://schemas.microsoft.com/office/drawing/2010/main" Requires="a14">
+      <mc:AlternateContent xmlns:mc="http://schemas.openxmlformats.org/markup-compatibility/2006" xmlns:a14="http://schemas.microsoft.com/office/drawing/2010/main">
+        <mc:Choice Requires="a14">
           <p:sp>
             <p:nvSpPr>
               <p:cNvPr id="31" name="TextBox 30">
@@ -11028,6 +11208,7 @@
               </a:bodyPr>
               <a:lstStyle/>
               <a:p>
+                <a:pPr/>
                 <a14:m>
                   <m:oMathPara xmlns:m="http://schemas.openxmlformats.org/officeDocument/2006/math">
                     <m:oMathParaPr>
@@ -11108,7 +11289,7 @@
             </p:txBody>
           </p:sp>
         </mc:Choice>
-        <mc:Fallback>
+        <mc:Fallback xmlns="">
           <p:sp>
             <p:nvSpPr>
               <p:cNvPr id="31" name="TextBox 30">
@@ -11153,8 +11334,8 @@
           </p:sp>
         </mc:Fallback>
       </mc:AlternateContent>
-      <mc:AlternateContent xmlns:mc="http://schemas.openxmlformats.org/markup-compatibility/2006">
-        <mc:Choice xmlns:a14="http://schemas.microsoft.com/office/drawing/2010/main" Requires="a14">
+      <mc:AlternateContent xmlns:mc="http://schemas.openxmlformats.org/markup-compatibility/2006" xmlns:a14="http://schemas.microsoft.com/office/drawing/2010/main">
+        <mc:Choice Requires="a14">
           <p:sp>
             <p:nvSpPr>
               <p:cNvPr id="32" name="TextBox 31">
@@ -11223,7 +11404,7 @@
             </p:txBody>
           </p:sp>
         </mc:Choice>
-        <mc:Fallback>
+        <mc:Fallback xmlns="">
           <p:sp>
             <p:nvSpPr>
               <p:cNvPr id="32" name="TextBox 31">
@@ -11362,8 +11543,8 @@
           </a:p>
         </p:txBody>
       </p:sp>
-      <mc:AlternateContent xmlns:mc="http://schemas.openxmlformats.org/markup-compatibility/2006">
-        <mc:Choice xmlns:a14="http://schemas.microsoft.com/office/drawing/2010/main" Requires="a14">
+      <mc:AlternateContent xmlns:mc="http://schemas.openxmlformats.org/markup-compatibility/2006" xmlns:a14="http://schemas.microsoft.com/office/drawing/2010/main">
+        <mc:Choice Requires="a14">
           <p:sp>
             <p:nvSpPr>
               <p:cNvPr id="35" name="TextBox 34">
@@ -11392,6 +11573,7 @@
               </a:bodyPr>
               <a:lstStyle/>
               <a:p>
+                <a:pPr/>
                 <a14:m>
                   <m:oMathPara xmlns:m="http://schemas.openxmlformats.org/officeDocument/2006/math">
                     <m:oMathParaPr>
@@ -11430,7 +11612,7 @@
             </p:txBody>
           </p:sp>
         </mc:Choice>
-        <mc:Fallback>
+        <mc:Fallback xmlns="">
           <p:sp>
             <p:nvSpPr>
               <p:cNvPr id="35" name="TextBox 34">
@@ -11569,8 +11751,8 @@
           </a:p>
         </p:txBody>
       </p:sp>
-      <mc:AlternateContent xmlns:mc="http://schemas.openxmlformats.org/markup-compatibility/2006">
-        <mc:Choice xmlns:a14="http://schemas.microsoft.com/office/drawing/2010/main" Requires="a14">
+      <mc:AlternateContent xmlns:mc="http://schemas.openxmlformats.org/markup-compatibility/2006" xmlns:a14="http://schemas.microsoft.com/office/drawing/2010/main">
+        <mc:Choice Requires="a14">
           <p:sp>
             <p:nvSpPr>
               <p:cNvPr id="40" name="TextBox 39">
@@ -11599,6 +11781,7 @@
               </a:bodyPr>
               <a:lstStyle/>
               <a:p>
+                <a:pPr/>
                 <a14:m>
                   <m:oMathPara xmlns:m="http://schemas.openxmlformats.org/officeDocument/2006/math">
                     <m:oMathParaPr>
@@ -11661,7 +11844,7 @@
             </p:txBody>
           </p:sp>
         </mc:Choice>
-        <mc:Fallback>
+        <mc:Fallback xmlns="">
           <p:sp>
             <p:nvSpPr>
               <p:cNvPr id="40" name="TextBox 39">
@@ -11706,8 +11889,8 @@
           </p:sp>
         </mc:Fallback>
       </mc:AlternateContent>
-      <mc:AlternateContent xmlns:mc="http://schemas.openxmlformats.org/markup-compatibility/2006">
-        <mc:Choice xmlns:a14="http://schemas.microsoft.com/office/drawing/2010/main" Requires="a14">
+      <mc:AlternateContent xmlns:mc="http://schemas.openxmlformats.org/markup-compatibility/2006" xmlns:a14="http://schemas.microsoft.com/office/drawing/2010/main">
+        <mc:Choice Requires="a14">
           <p:sp>
             <p:nvSpPr>
               <p:cNvPr id="41" name="TextBox 40">
@@ -11736,6 +11919,7 @@
               </a:bodyPr>
               <a:lstStyle/>
               <a:p>
+                <a:pPr/>
                 <a14:m>
                   <m:oMathPara xmlns:m="http://schemas.openxmlformats.org/officeDocument/2006/math">
                     <m:oMathParaPr>
@@ -11873,7 +12057,7 @@
             </p:txBody>
           </p:sp>
         </mc:Choice>
-        <mc:Fallback>
+        <mc:Fallback xmlns="">
           <p:sp>
             <p:nvSpPr>
               <p:cNvPr id="41" name="TextBox 40">
@@ -11918,8 +12102,8 @@
           </p:sp>
         </mc:Fallback>
       </mc:AlternateContent>
-      <mc:AlternateContent xmlns:mc="http://schemas.openxmlformats.org/markup-compatibility/2006">
-        <mc:Choice xmlns:a14="http://schemas.microsoft.com/office/drawing/2010/main" Requires="a14">
+      <mc:AlternateContent xmlns:mc="http://schemas.openxmlformats.org/markup-compatibility/2006" xmlns:a14="http://schemas.microsoft.com/office/drawing/2010/main">
+        <mc:Choice Requires="a14">
           <p:sp>
             <p:nvSpPr>
               <p:cNvPr id="42" name="TextBox 41">
@@ -11948,6 +12132,7 @@
               </a:bodyPr>
               <a:lstStyle/>
               <a:p>
+                <a:pPr/>
                 <a14:m>
                   <m:oMathPara xmlns:m="http://schemas.openxmlformats.org/officeDocument/2006/math">
                     <m:oMathParaPr>
@@ -12010,7 +12195,7 @@
             </p:txBody>
           </p:sp>
         </mc:Choice>
-        <mc:Fallback>
+        <mc:Fallback xmlns="">
           <p:sp>
             <p:nvSpPr>
               <p:cNvPr id="42" name="TextBox 41">
@@ -12149,8 +12334,8 @@
           </a:p>
         </p:txBody>
       </p:sp>
-      <mc:AlternateContent xmlns:mc="http://schemas.openxmlformats.org/markup-compatibility/2006">
-        <mc:Choice xmlns:a14="http://schemas.microsoft.com/office/drawing/2010/main" Requires="a14">
+      <mc:AlternateContent xmlns:mc="http://schemas.openxmlformats.org/markup-compatibility/2006" xmlns:a14="http://schemas.microsoft.com/office/drawing/2010/main">
+        <mc:Choice Requires="a14">
           <p:sp>
             <p:nvSpPr>
               <p:cNvPr id="47" name="TextBox 46">
@@ -12179,6 +12364,7 @@
               </a:bodyPr>
               <a:lstStyle/>
               <a:p>
+                <a:pPr/>
                 <a14:m>
                   <m:oMathPara xmlns:m="http://schemas.openxmlformats.org/officeDocument/2006/math">
                     <m:oMathParaPr>
@@ -12241,7 +12427,7 @@
             </p:txBody>
           </p:sp>
         </mc:Choice>
-        <mc:Fallback>
+        <mc:Fallback xmlns="">
           <p:sp>
             <p:nvSpPr>
               <p:cNvPr id="47" name="TextBox 46">
@@ -12286,8 +12472,8 @@
           </p:sp>
         </mc:Fallback>
       </mc:AlternateContent>
-      <mc:AlternateContent xmlns:mc="http://schemas.openxmlformats.org/markup-compatibility/2006">
-        <mc:Choice xmlns:a14="http://schemas.microsoft.com/office/drawing/2010/main" Requires="a14">
+      <mc:AlternateContent xmlns:mc="http://schemas.openxmlformats.org/markup-compatibility/2006" xmlns:a14="http://schemas.microsoft.com/office/drawing/2010/main">
+        <mc:Choice Requires="a14">
           <p:sp>
             <p:nvSpPr>
               <p:cNvPr id="48" name="TextBox 47">
@@ -12316,6 +12502,7 @@
               </a:bodyPr>
               <a:lstStyle/>
               <a:p>
+                <a:pPr/>
                 <a14:m>
                   <m:oMathPara xmlns:m="http://schemas.openxmlformats.org/officeDocument/2006/math">
                     <m:oMathParaPr>
@@ -12453,7 +12640,7 @@
             </p:txBody>
           </p:sp>
         </mc:Choice>
-        <mc:Fallback>
+        <mc:Fallback xmlns="">
           <p:sp>
             <p:nvSpPr>
               <p:cNvPr id="48" name="TextBox 47">
@@ -12535,8 +12722,8 @@
           </a:p>
         </p:txBody>
       </p:sp>
-      <mc:AlternateContent xmlns:mc="http://schemas.openxmlformats.org/markup-compatibility/2006">
-        <mc:Choice xmlns:a14="http://schemas.microsoft.com/office/drawing/2010/main" Requires="a14">
+      <mc:AlternateContent xmlns:mc="http://schemas.openxmlformats.org/markup-compatibility/2006" xmlns:a14="http://schemas.microsoft.com/office/drawing/2010/main">
+        <mc:Choice Requires="a14">
           <p:sp>
             <p:nvSpPr>
               <p:cNvPr id="51" name="Rectangle 50">
@@ -12652,7 +12839,7 @@
             </p:txBody>
           </p:sp>
         </mc:Choice>
-        <mc:Fallback>
+        <mc:Fallback xmlns="">
           <p:sp>
             <p:nvSpPr>
               <p:cNvPr id="51" name="Rectangle 50">
@@ -12751,8 +12938,8 @@
           </a:p>
         </p:txBody>
       </p:sp>
-      <mc:AlternateContent xmlns:mc="http://schemas.openxmlformats.org/markup-compatibility/2006">
-        <mc:Choice xmlns:a14="http://schemas.microsoft.com/office/drawing/2010/main" Requires="a14">
+      <mc:AlternateContent xmlns:mc="http://schemas.openxmlformats.org/markup-compatibility/2006" xmlns:a14="http://schemas.microsoft.com/office/drawing/2010/main">
+        <mc:Choice Requires="a14">
           <p:sp>
             <p:nvSpPr>
               <p:cNvPr id="53" name="TextBox 52">
@@ -12781,6 +12968,7 @@
               </a:bodyPr>
               <a:lstStyle/>
               <a:p>
+                <a:pPr/>
                 <a14:m>
                   <m:oMathPara xmlns:m="http://schemas.openxmlformats.org/officeDocument/2006/math">
                     <m:oMathParaPr>
@@ -12819,7 +13007,7 @@
             </p:txBody>
           </p:sp>
         </mc:Choice>
-        <mc:Fallback>
+        <mc:Fallback xmlns="">
           <p:sp>
             <p:nvSpPr>
               <p:cNvPr id="53" name="TextBox 52">
@@ -12908,8 +13096,8 @@
         </p:nvSpPr>
         <p:spPr>
           <a:xfrm>
-            <a:off x="97899" y="1298475"/>
-            <a:ext cx="11996201" cy="1783579"/>
+            <a:off x="1199891" y="1309688"/>
+            <a:ext cx="9722109" cy="1772366"/>
           </a:xfrm>
           <a:prstGeom prst="rect">
             <a:avLst/>
@@ -13181,8 +13369,8 @@
           </a:p>
         </p:txBody>
       </p:sp>
-      <mc:AlternateContent xmlns:mc="http://schemas.openxmlformats.org/markup-compatibility/2006">
-        <mc:Choice xmlns:a14="http://schemas.microsoft.com/office/drawing/2010/main" Requires="a14">
+      <mc:AlternateContent xmlns:mc="http://schemas.openxmlformats.org/markup-compatibility/2006" xmlns:a14="http://schemas.microsoft.com/office/drawing/2010/main">
+        <mc:Choice Requires="a14">
           <p:sp>
             <p:nvSpPr>
               <p:cNvPr id="17" name="TextBox 16">
@@ -13253,7 +13441,7 @@
             </p:txBody>
           </p:sp>
         </mc:Choice>
-        <mc:Fallback>
+        <mc:Fallback xmlns="">
           <p:sp>
             <p:nvSpPr>
               <p:cNvPr id="17" name="TextBox 16">
@@ -13466,8 +13654,8 @@
           </a:p>
         </p:txBody>
       </p:sp>
-      <mc:AlternateContent xmlns:mc="http://schemas.openxmlformats.org/markup-compatibility/2006">
-        <mc:Choice xmlns:a14="http://schemas.microsoft.com/office/drawing/2010/main" Requires="a14">
+      <mc:AlternateContent xmlns:mc="http://schemas.openxmlformats.org/markup-compatibility/2006" xmlns:a14="http://schemas.microsoft.com/office/drawing/2010/main">
+        <mc:Choice Requires="a14">
           <p:sp>
             <p:nvSpPr>
               <p:cNvPr id="24" name="TextBox 23">
@@ -13546,7 +13734,7 @@
             </p:txBody>
           </p:sp>
         </mc:Choice>
-        <mc:Fallback>
+        <mc:Fallback xmlns="">
           <p:sp>
             <p:nvSpPr>
               <p:cNvPr id="24" name="TextBox 23">
@@ -13717,8 +13905,8 @@
           </a:p>
         </p:txBody>
       </p:sp>
-      <mc:AlternateContent xmlns:mc="http://schemas.openxmlformats.org/markup-compatibility/2006">
-        <mc:Choice xmlns:a14="http://schemas.microsoft.com/office/drawing/2010/main" Requires="a14">
+      <mc:AlternateContent xmlns:mc="http://schemas.openxmlformats.org/markup-compatibility/2006" xmlns:a14="http://schemas.microsoft.com/office/drawing/2010/main">
+        <mc:Choice Requires="a14">
           <p:sp>
             <p:nvSpPr>
               <p:cNvPr id="28" name="TextBox 27">
@@ -13797,7 +13985,7 @@
             </p:txBody>
           </p:sp>
         </mc:Choice>
-        <mc:Fallback>
+        <mc:Fallback xmlns="">
           <p:sp>
             <p:nvSpPr>
               <p:cNvPr id="28" name="TextBox 27">
@@ -13889,8 +14077,8 @@
           </a:p>
         </p:txBody>
       </p:sp>
-      <mc:AlternateContent xmlns:mc="http://schemas.openxmlformats.org/markup-compatibility/2006">
-        <mc:Choice xmlns:a14="http://schemas.microsoft.com/office/drawing/2010/main" Requires="a14">
+      <mc:AlternateContent xmlns:mc="http://schemas.openxmlformats.org/markup-compatibility/2006" xmlns:a14="http://schemas.microsoft.com/office/drawing/2010/main">
+        <mc:Choice Requires="a14">
           <p:sp>
             <p:nvSpPr>
               <p:cNvPr id="31" name="TextBox 30">
@@ -13961,7 +14149,7 @@
             </p:txBody>
           </p:sp>
         </mc:Choice>
-        <mc:Fallback>
+        <mc:Fallback xmlns="">
           <p:sp>
             <p:nvSpPr>
               <p:cNvPr id="31" name="TextBox 30">
@@ -14053,8 +14241,8 @@
           </a:p>
         </p:txBody>
       </p:sp>
-      <mc:AlternateContent xmlns:mc="http://schemas.openxmlformats.org/markup-compatibility/2006">
-        <mc:Choice xmlns:a14="http://schemas.microsoft.com/office/drawing/2010/main" Requires="a14">
+      <mc:AlternateContent xmlns:mc="http://schemas.openxmlformats.org/markup-compatibility/2006" xmlns:a14="http://schemas.microsoft.com/office/drawing/2010/main">
+        <mc:Choice Requires="a14">
           <p:sp>
             <p:nvSpPr>
               <p:cNvPr id="34" name="TextBox 33">
@@ -14069,8 +14257,8 @@
             </p:nvSpPr>
             <p:spPr>
               <a:xfrm>
-                <a:off x="499914" y="1263888"/>
-                <a:ext cx="2193473" cy="530915"/>
+                <a:off x="1139903" y="1270238"/>
+                <a:ext cx="1934484" cy="468205"/>
               </a:xfrm>
               <a:prstGeom prst="rect">
                 <a:avLst/>
@@ -14089,14 +14277,14 @@
                     <m:sSup>
                       <m:sSupPr>
                         <m:ctrlPr>
-                          <a:rPr lang="it-IT" sz="2800" b="0" i="1" smtClean="0">
+                          <a:rPr lang="it-IT" sz="2400" b="0" i="1" smtClean="0">
                             <a:latin typeface="Cambria Math" panose="02040503050406030204" pitchFamily="18" charset="0"/>
                           </a:rPr>
                         </m:ctrlPr>
                       </m:sSupPr>
                       <m:e>
                         <m:r>
-                          <a:rPr lang="it-IT" sz="2800" b="0" i="1" smtClean="0">
+                          <a:rPr lang="it-IT" sz="2400" b="0" i="1" smtClean="0">
                             <a:latin typeface="Cambria Math" panose="02040503050406030204" pitchFamily="18" charset="0"/>
                           </a:rPr>
                           <m:t>𝑔</m:t>
@@ -14104,7 +14292,7 @@
                       </m:e>
                       <m:sup>
                         <m:r>
-                          <a:rPr lang="it-IT" sz="2800" b="0" i="1" smtClean="0">
+                          <a:rPr lang="it-IT" sz="2400" b="0" i="1" smtClean="0">
                             <a:latin typeface="Cambria Math" panose="02040503050406030204" pitchFamily="18" charset="0"/>
                           </a:rPr>
                           <m:t>𝑏</m:t>
@@ -14112,7 +14300,7 @@
                       </m:sup>
                     </m:sSup>
                     <m:r>
-                      <a:rPr lang="it-IT" sz="2800" b="0" i="1" smtClean="0">
+                      <a:rPr lang="it-IT" sz="2400" b="0" i="1" smtClean="0">
                         <a:latin typeface="Cambria Math" panose="02040503050406030204" pitchFamily="18" charset="0"/>
                       </a:rPr>
                       <m:t> </m:t>
@@ -14120,14 +14308,14 @@
                   </m:oMath>
                 </a14:m>
                 <a:r>
-                  <a:rPr lang="en-GB" sz="2800" dirty="0"/>
+                  <a:rPr lang="en-GB" sz="2400" dirty="0"/>
                   <a:t>extraction</a:t>
                 </a:r>
               </a:p>
             </p:txBody>
           </p:sp>
         </mc:Choice>
-        <mc:Fallback>
+        <mc:Fallback xmlns="">
           <p:sp>
             <p:nvSpPr>
               <p:cNvPr id="34" name="TextBox 33">
@@ -14144,8 +14332,8 @@
             </p:nvSpPr>
             <p:spPr>
               <a:xfrm>
-                <a:off x="499914" y="1263888"/>
-                <a:ext cx="2193473" cy="530915"/>
+                <a:off x="1139903" y="1270238"/>
+                <a:ext cx="1934484" cy="468205"/>
               </a:xfrm>
               <a:prstGeom prst="rect">
                 <a:avLst/>
@@ -14153,7 +14341,7 @@
               <a:blipFill>
                 <a:blip r:embed="rId7"/>
                 <a:stretch>
-                  <a:fillRect t="-9195" r="-3889" b="-32184"/>
+                  <a:fillRect t="-9091" r="-2524" b="-28571"/>
                 </a:stretch>
               </a:blipFill>
             </p:spPr>
@@ -14208,8 +14396,8 @@
           </a:ln>
         </p:spPr>
       </p:pic>
-      <mc:AlternateContent xmlns:mc="http://schemas.openxmlformats.org/markup-compatibility/2006">
-        <mc:Choice xmlns:a14="http://schemas.microsoft.com/office/drawing/2010/main" Requires="a14">
+      <mc:AlternateContent xmlns:mc="http://schemas.openxmlformats.org/markup-compatibility/2006" xmlns:a14="http://schemas.microsoft.com/office/drawing/2010/main">
+        <mc:Choice Requires="a14">
           <p:sp>
             <p:nvSpPr>
               <p:cNvPr id="38" name="Rectangle 37">
@@ -14369,7 +14557,7 @@
             </p:txBody>
           </p:sp>
         </mc:Choice>
-        <mc:Fallback>
+        <mc:Fallback xmlns="">
           <p:sp>
             <p:nvSpPr>
               <p:cNvPr id="38" name="Rectangle 37">
@@ -14421,8 +14609,8 @@
           </p:sp>
         </mc:Fallback>
       </mc:AlternateContent>
-      <mc:AlternateContent xmlns:mc="http://schemas.openxmlformats.org/markup-compatibility/2006">
-        <mc:Choice xmlns:a14="http://schemas.microsoft.com/office/drawing/2010/main" Requires="a14">
+      <mc:AlternateContent xmlns:mc="http://schemas.openxmlformats.org/markup-compatibility/2006" xmlns:a14="http://schemas.microsoft.com/office/drawing/2010/main">
+        <mc:Choice Requires="a14">
           <p:sp>
             <p:nvSpPr>
               <p:cNvPr id="39" name="Rectangle 38">
@@ -14755,7 +14943,7 @@
             </p:txBody>
           </p:sp>
         </mc:Choice>
-        <mc:Fallback>
+        <mc:Fallback xmlns="">
           <p:sp>
             <p:nvSpPr>
               <p:cNvPr id="39" name="Rectangle 38">
@@ -14851,8 +15039,8 @@
         </p:nvSpPr>
         <p:spPr>
           <a:xfrm>
-            <a:off x="6552982" y="1980990"/>
-            <a:ext cx="5491664" cy="3146014"/>
+            <a:off x="7223981" y="1980990"/>
+            <a:ext cx="3729770" cy="3146014"/>
           </a:xfrm>
           <a:prstGeom prst="rect">
             <a:avLst/>
@@ -14906,8 +15094,8 @@
         </p:nvSpPr>
         <p:spPr>
           <a:xfrm>
-            <a:off x="205271" y="1995168"/>
-            <a:ext cx="5220573" cy="3131836"/>
+            <a:off x="1318999" y="1995168"/>
+            <a:ext cx="3329202" cy="3131836"/>
           </a:xfrm>
           <a:prstGeom prst="rect">
             <a:avLst/>
@@ -15124,8 +15312,8 @@
           </a:p>
         </p:txBody>
       </p:sp>
-      <mc:AlternateContent xmlns:mc="http://schemas.openxmlformats.org/markup-compatibility/2006">
-        <mc:Choice xmlns:a14="http://schemas.microsoft.com/office/drawing/2010/main" Requires="a14">
+      <mc:AlternateContent xmlns:mc="http://schemas.openxmlformats.org/markup-compatibility/2006" xmlns:a14="http://schemas.microsoft.com/office/drawing/2010/main">
+        <mc:Choice Requires="a14">
           <p:sp>
             <p:nvSpPr>
               <p:cNvPr id="8" name="TextBox 7">
@@ -15142,7 +15330,7 @@
             </p:nvSpPr>
             <p:spPr>
               <a:xfrm>
-                <a:off x="360629" y="3142358"/>
+                <a:off x="278079" y="3142358"/>
                 <a:ext cx="977900" cy="374270"/>
               </a:xfrm>
               <a:prstGeom prst="rect">
@@ -15196,7 +15384,7 @@
             </p:txBody>
           </p:sp>
         </mc:Choice>
-        <mc:Fallback>
+        <mc:Fallback xmlns="">
           <p:sp>
             <p:nvSpPr>
               <p:cNvPr id="8" name="TextBox 7">
@@ -15213,7 +15401,7 @@
             </p:nvSpPr>
             <p:spPr>
               <a:xfrm>
-                <a:off x="360629" y="3142358"/>
+                <a:off x="278079" y="3142358"/>
                 <a:ext cx="977900" cy="374270"/>
               </a:xfrm>
               <a:prstGeom prst="rect">
@@ -15263,7 +15451,7 @@
         </p:blipFill>
         <p:spPr>
           <a:xfrm>
-            <a:off x="1409645" y="2653931"/>
+            <a:off x="1517595" y="2653931"/>
             <a:ext cx="2878694" cy="1671319"/>
           </a:xfrm>
           <a:prstGeom prst="rect">
@@ -15300,7 +15488,7 @@
         </p:blipFill>
         <p:spPr>
           <a:xfrm>
-            <a:off x="7703142" y="3095176"/>
+            <a:off x="7423742" y="3095176"/>
             <a:ext cx="3309560" cy="909946"/>
           </a:xfrm>
           <a:prstGeom prst="rect">
@@ -15315,8 +15503,8 @@
           </a:ln>
         </p:spPr>
       </p:pic>
-      <mc:AlternateContent xmlns:mc="http://schemas.openxmlformats.org/markup-compatibility/2006">
-        <mc:Choice xmlns:a14="http://schemas.microsoft.com/office/drawing/2010/main" Requires="a14">
+      <mc:AlternateContent xmlns:mc="http://schemas.openxmlformats.org/markup-compatibility/2006" xmlns:a14="http://schemas.microsoft.com/office/drawing/2010/main">
+        <mc:Choice Requires="a14">
           <p:sp>
             <p:nvSpPr>
               <p:cNvPr id="18" name="TextBox 17">
@@ -15331,7 +15519,7 @@
             </p:nvSpPr>
             <p:spPr>
               <a:xfrm>
-                <a:off x="6625828" y="3438803"/>
+                <a:off x="6168628" y="3438803"/>
                 <a:ext cx="977900" cy="374270"/>
               </a:xfrm>
               <a:prstGeom prst="rect">
@@ -15385,7 +15573,7 @@
             </p:txBody>
           </p:sp>
         </mc:Choice>
-        <mc:Fallback>
+        <mc:Fallback xmlns="">
           <p:sp>
             <p:nvSpPr>
               <p:cNvPr id="18" name="TextBox 17">
@@ -15402,7 +15590,7 @@
             </p:nvSpPr>
             <p:spPr>
               <a:xfrm>
-                <a:off x="6625828" y="3438803"/>
+                <a:off x="6168628" y="3438803"/>
                 <a:ext cx="977900" cy="374270"/>
               </a:xfrm>
               <a:prstGeom prst="rect">
@@ -15444,7 +15632,7 @@
         </p:nvSpPr>
         <p:spPr>
           <a:xfrm>
-            <a:off x="6673116" y="3688730"/>
+            <a:off x="6215916" y="3688730"/>
             <a:ext cx="930612" cy="220981"/>
           </a:xfrm>
           <a:prstGeom prst="rightArrow">
@@ -15491,7 +15679,7 @@
         </p:nvSpPr>
         <p:spPr>
           <a:xfrm>
-            <a:off x="6673116" y="3253245"/>
+            <a:off x="6215916" y="3253245"/>
             <a:ext cx="930612" cy="220981"/>
           </a:xfrm>
           <a:prstGeom prst="rightArrow">
@@ -15524,8 +15712,8 @@
           </a:p>
         </p:txBody>
       </p:sp>
-      <mc:AlternateContent xmlns:mc="http://schemas.openxmlformats.org/markup-compatibility/2006">
-        <mc:Choice xmlns:a14="http://schemas.microsoft.com/office/drawing/2010/main" Requires="a14">
+      <mc:AlternateContent xmlns:mc="http://schemas.openxmlformats.org/markup-compatibility/2006" xmlns:a14="http://schemas.microsoft.com/office/drawing/2010/main">
+        <mc:Choice Requires="a14">
           <p:sp>
             <p:nvSpPr>
               <p:cNvPr id="22" name="TextBox 21">
@@ -15540,7 +15728,7 @@
             </p:nvSpPr>
             <p:spPr>
               <a:xfrm>
-                <a:off x="6566586" y="2941586"/>
+                <a:off x="6109386" y="2941586"/>
                 <a:ext cx="889507" cy="384208"/>
               </a:xfrm>
               <a:prstGeom prst="rect">
@@ -15554,6 +15742,7 @@
               </a:bodyPr>
               <a:lstStyle/>
               <a:p>
+                <a:pPr/>
                 <a14:m>
                   <m:oMathPara xmlns:m="http://schemas.openxmlformats.org/officeDocument/2006/math">
                     <m:oMathParaPr>
@@ -15616,7 +15805,7 @@
             </p:txBody>
           </p:sp>
         </mc:Choice>
-        <mc:Fallback>
+        <mc:Fallback xmlns="">
           <p:sp>
             <p:nvSpPr>
               <p:cNvPr id="22" name="TextBox 21">
@@ -15633,7 +15822,7 @@
             </p:nvSpPr>
             <p:spPr>
               <a:xfrm>
-                <a:off x="6566586" y="2941586"/>
+                <a:off x="6109386" y="2941586"/>
                 <a:ext cx="889507" cy="384208"/>
               </a:xfrm>
               <a:prstGeom prst="rect">
@@ -15675,7 +15864,7 @@
         </p:nvSpPr>
         <p:spPr>
           <a:xfrm>
-            <a:off x="337957" y="3379101"/>
+            <a:off x="255407" y="3379101"/>
             <a:ext cx="930612" cy="220981"/>
           </a:xfrm>
           <a:prstGeom prst="rightArrow">
@@ -15722,7 +15911,7 @@
         </p:nvSpPr>
         <p:spPr>
           <a:xfrm>
-            <a:off x="4380440" y="3429000"/>
+            <a:off x="4761440" y="3429000"/>
             <a:ext cx="930612" cy="220981"/>
           </a:xfrm>
           <a:prstGeom prst="rightArrow">
@@ -15755,143 +15944,6 @@
           </a:p>
         </p:txBody>
       </p:sp>
-      <mc:AlternateContent xmlns:mc="http://schemas.openxmlformats.org/markup-compatibility/2006">
-        <mc:Choice xmlns:a14="http://schemas.microsoft.com/office/drawing/2010/main" Requires="a14">
-          <p:sp>
-            <p:nvSpPr>
-              <p:cNvPr id="25" name="TextBox 24">
-                <a:extLst>
-                  <a:ext uri="{FF2B5EF4-FFF2-40B4-BE49-F238E27FC236}">
-                    <a16:creationId xmlns:a16="http://schemas.microsoft.com/office/drawing/2014/main" id="{A7A498D4-A731-1ACE-C4CA-B08AE078B064}"/>
-                  </a:ext>
-                </a:extLst>
-              </p:cNvPr>
-              <p:cNvSpPr txBox="1"/>
-              <p:nvPr/>
-            </p:nvSpPr>
-            <p:spPr>
-              <a:xfrm>
-                <a:off x="4388032" y="3137833"/>
-                <a:ext cx="889507" cy="384208"/>
-              </a:xfrm>
-              <a:prstGeom prst="rect">
-                <a:avLst/>
-              </a:prstGeom>
-              <a:noFill/>
-            </p:spPr>
-            <p:txBody>
-              <a:bodyPr wrap="square" rtlCol="0">
-                <a:spAutoFit/>
-              </a:bodyPr>
-              <a:lstStyle/>
-              <a:p>
-                <a14:m>
-                  <m:oMathPara xmlns:m="http://schemas.openxmlformats.org/officeDocument/2006/math">
-                    <m:oMathParaPr>
-                      <m:jc m:val="centerGroup"/>
-                    </m:oMathParaPr>
-                    <m:oMath xmlns:m="http://schemas.openxmlformats.org/officeDocument/2006/math">
-                      <m:acc>
-                        <m:accPr>
-                          <m:chr m:val="̂"/>
-                          <m:ctrlPr>
-                            <a:rPr lang="it-IT" b="0" i="1" smtClean="0">
-                              <a:latin typeface="Cambria Math" panose="02040503050406030204" pitchFamily="18" charset="0"/>
-                            </a:rPr>
-                          </m:ctrlPr>
-                        </m:accPr>
-                        <m:e>
-                          <m:r>
-                            <a:rPr lang="it-IT" b="0" i="1" smtClean="0">
-                              <a:latin typeface="Cambria Math" panose="02040503050406030204" pitchFamily="18" charset="0"/>
-                            </a:rPr>
-                            <m:t>𝜙</m:t>
-                          </m:r>
-                          <m:r>
-                            <a:rPr lang="it-IT" b="0" i="1" smtClean="0">
-                              <a:latin typeface="Cambria Math" panose="02040503050406030204" pitchFamily="18" charset="0"/>
-                            </a:rPr>
-                            <m:t> </m:t>
-                          </m:r>
-                        </m:e>
-                      </m:acc>
-                      <m:r>
-                        <a:rPr lang="it-IT" b="0" i="1" smtClean="0">
-                          <a:latin typeface="Cambria Math" panose="02040503050406030204" pitchFamily="18" charset="0"/>
-                        </a:rPr>
-                        <m:t>, </m:t>
-                      </m:r>
-                      <m:acc>
-                        <m:accPr>
-                          <m:chr m:val="̂"/>
-                          <m:ctrlPr>
-                            <a:rPr lang="it-IT" b="0" i="1" smtClean="0">
-                              <a:latin typeface="Cambria Math" panose="02040503050406030204" pitchFamily="18" charset="0"/>
-                            </a:rPr>
-                          </m:ctrlPr>
-                        </m:accPr>
-                        <m:e>
-                          <m:r>
-                            <a:rPr lang="it-IT" b="0" i="1" smtClean="0">
-                              <a:latin typeface="Cambria Math" panose="02040503050406030204" pitchFamily="18" charset="0"/>
-                            </a:rPr>
-                            <m:t>𝜃</m:t>
-                          </m:r>
-                        </m:e>
-                      </m:acc>
-                    </m:oMath>
-                  </m:oMathPara>
-                </a14:m>
-                <a:endParaRPr lang="en-GB" dirty="0"/>
-              </a:p>
-            </p:txBody>
-          </p:sp>
-        </mc:Choice>
-        <mc:Fallback>
-          <p:sp>
-            <p:nvSpPr>
-              <p:cNvPr id="25" name="TextBox 24">
-                <a:extLst>
-                  <a:ext uri="{FF2B5EF4-FFF2-40B4-BE49-F238E27FC236}">
-                    <a16:creationId xmlns:a16="http://schemas.microsoft.com/office/drawing/2014/main" id="{A7A498D4-A731-1ACE-C4CA-B08AE078B064}"/>
-                  </a:ext>
-                </a:extLst>
-              </p:cNvPr>
-              <p:cNvSpPr txBox="1">
-                <a:spLocks noRot="1" noChangeAspect="1" noMove="1" noResize="1" noEditPoints="1" noAdjustHandles="1" noChangeArrowheads="1" noChangeShapeType="1" noTextEdit="1"/>
-              </p:cNvSpPr>
-              <p:nvPr/>
-            </p:nvSpPr>
-            <p:spPr>
-              <a:xfrm>
-                <a:off x="4388032" y="3137833"/>
-                <a:ext cx="889507" cy="384208"/>
-              </a:xfrm>
-              <a:prstGeom prst="rect">
-                <a:avLst/>
-              </a:prstGeom>
-              <a:blipFill>
-                <a:blip r:embed="rId8"/>
-                <a:stretch>
-                  <a:fillRect t="-7937" r="-6164" b="-11111"/>
-                </a:stretch>
-              </a:blipFill>
-            </p:spPr>
-            <p:txBody>
-              <a:bodyPr/>
-              <a:lstStyle/>
-              <a:p>
-                <a:r>
-                  <a:rPr lang="en-GB">
-                    <a:noFill/>
-                  </a:rPr>
-                  <a:t> </a:t>
-                </a:r>
-              </a:p>
-            </p:txBody>
-          </p:sp>
-        </mc:Fallback>
-      </mc:AlternateContent>
       <p:sp>
         <p:nvSpPr>
           <p:cNvPr id="27" name="Arrow: Right 26">
@@ -15906,7 +15958,7 @@
         </p:nvSpPr>
         <p:spPr>
           <a:xfrm>
-            <a:off x="11016414" y="3453804"/>
+            <a:off x="11067214" y="3453804"/>
             <a:ext cx="930612" cy="220981"/>
           </a:xfrm>
           <a:prstGeom prst="rightArrow">
@@ -15939,121 +15991,8 @@
           </a:p>
         </p:txBody>
       </p:sp>
-      <mc:AlternateContent xmlns:mc="http://schemas.openxmlformats.org/markup-compatibility/2006">
-        <mc:Choice xmlns:a14="http://schemas.microsoft.com/office/drawing/2010/main" Requires="a14">
-          <p:sp>
-            <p:nvSpPr>
-              <p:cNvPr id="28" name="TextBox 27">
-                <a:extLst>
-                  <a:ext uri="{FF2B5EF4-FFF2-40B4-BE49-F238E27FC236}">
-                    <a16:creationId xmlns:a16="http://schemas.microsoft.com/office/drawing/2014/main" id="{4ED4EF9B-3465-6CEB-CE4E-6CC5351BE6DF}"/>
-                  </a:ext>
-                </a:extLst>
-              </p:cNvPr>
-              <p:cNvSpPr txBox="1"/>
-              <p:nvPr/>
-            </p:nvSpPr>
-            <p:spPr>
-              <a:xfrm>
-                <a:off x="11016414" y="3142497"/>
-                <a:ext cx="889507" cy="380938"/>
-              </a:xfrm>
-              <a:prstGeom prst="rect">
-                <a:avLst/>
-              </a:prstGeom>
-              <a:noFill/>
-            </p:spPr>
-            <p:txBody>
-              <a:bodyPr wrap="square" rtlCol="0">
-                <a:spAutoFit/>
-              </a:bodyPr>
-              <a:lstStyle/>
-              <a:p>
-                <a14:m>
-                  <m:oMathPara xmlns:m="http://schemas.openxmlformats.org/officeDocument/2006/math">
-                    <m:oMathParaPr>
-                      <m:jc m:val="centerGroup"/>
-                    </m:oMathParaPr>
-                    <m:oMath xmlns:m="http://schemas.openxmlformats.org/officeDocument/2006/math">
-                      <m:acc>
-                        <m:accPr>
-                          <m:chr m:val="̂"/>
-                          <m:ctrlPr>
-                            <a:rPr lang="it-IT" b="0" i="1" smtClean="0">
-                              <a:latin typeface="Cambria Math" panose="02040503050406030204" pitchFamily="18" charset="0"/>
-                            </a:rPr>
-                          </m:ctrlPr>
-                        </m:accPr>
-                        <m:e>
-                          <m:r>
-                            <a:rPr lang="it-IT" b="0" i="1" smtClean="0">
-                              <a:latin typeface="Cambria Math" panose="02040503050406030204" pitchFamily="18" charset="0"/>
-                            </a:rPr>
-                            <m:t>𝜓</m:t>
-                          </m:r>
-                          <m:r>
-                            <a:rPr lang="it-IT" b="0" i="1" smtClean="0">
-                              <a:latin typeface="Cambria Math" panose="02040503050406030204" pitchFamily="18" charset="0"/>
-                            </a:rPr>
-                            <m:t> </m:t>
-                          </m:r>
-                        </m:e>
-                      </m:acc>
-                    </m:oMath>
-                  </m:oMathPara>
-                </a14:m>
-                <a:endParaRPr lang="en-GB" dirty="0"/>
-              </a:p>
-            </p:txBody>
-          </p:sp>
-        </mc:Choice>
-        <mc:Fallback>
-          <p:sp>
-            <p:nvSpPr>
-              <p:cNvPr id="28" name="TextBox 27">
-                <a:extLst>
-                  <a:ext uri="{FF2B5EF4-FFF2-40B4-BE49-F238E27FC236}">
-                    <a16:creationId xmlns:a16="http://schemas.microsoft.com/office/drawing/2014/main" id="{4ED4EF9B-3465-6CEB-CE4E-6CC5351BE6DF}"/>
-                  </a:ext>
-                </a:extLst>
-              </p:cNvPr>
-              <p:cNvSpPr txBox="1">
-                <a:spLocks noRot="1" noChangeAspect="1" noMove="1" noResize="1" noEditPoints="1" noAdjustHandles="1" noChangeArrowheads="1" noChangeShapeType="1" noTextEdit="1"/>
-              </p:cNvSpPr>
-              <p:nvPr/>
-            </p:nvSpPr>
-            <p:spPr>
-              <a:xfrm>
-                <a:off x="11016414" y="3142497"/>
-                <a:ext cx="889507" cy="380938"/>
-              </a:xfrm>
-              <a:prstGeom prst="rect">
-                <a:avLst/>
-              </a:prstGeom>
-              <a:blipFill>
-                <a:blip r:embed="rId9"/>
-                <a:stretch>
-                  <a:fillRect t="-3226" r="-8219" b="-12903"/>
-                </a:stretch>
-              </a:blipFill>
-            </p:spPr>
-            <p:txBody>
-              <a:bodyPr/>
-              <a:lstStyle/>
-              <a:p>
-                <a:r>
-                  <a:rPr lang="en-GB">
-                    <a:noFill/>
-                  </a:rPr>
-                  <a:t> </a:t>
-                </a:r>
-              </a:p>
-            </p:txBody>
-          </p:sp>
-        </mc:Fallback>
-      </mc:AlternateContent>
-      <mc:AlternateContent xmlns:mc="http://schemas.openxmlformats.org/markup-compatibility/2006">
-        <mc:Choice xmlns:a14="http://schemas.microsoft.com/office/drawing/2010/main" Requires="a14">
+      <mc:AlternateContent xmlns:mc="http://schemas.openxmlformats.org/markup-compatibility/2006" xmlns:a14="http://schemas.microsoft.com/office/drawing/2010/main">
+        <mc:Choice Requires="a14">
           <p:sp>
             <p:nvSpPr>
               <p:cNvPr id="34" name="TextBox 33">
@@ -16068,8 +16007,8 @@
             </p:nvSpPr>
             <p:spPr>
               <a:xfrm>
-                <a:off x="-103741" y="2066566"/>
-                <a:ext cx="2744619" cy="655436"/>
+                <a:off x="1388161" y="2066566"/>
+                <a:ext cx="2167117" cy="655436"/>
               </a:xfrm>
               <a:prstGeom prst="rect">
                 <a:avLst/>
@@ -16159,7 +16098,7 @@
             </p:txBody>
           </p:sp>
         </mc:Choice>
-        <mc:Fallback>
+        <mc:Fallback xmlns="">
           <p:sp>
             <p:nvSpPr>
               <p:cNvPr id="34" name="TextBox 33">
@@ -16176,14 +16115,14 @@
             </p:nvSpPr>
             <p:spPr>
               <a:xfrm>
-                <a:off x="-103741" y="2066566"/>
-                <a:ext cx="2744619" cy="655436"/>
+                <a:off x="1388161" y="2066566"/>
+                <a:ext cx="2167117" cy="655436"/>
               </a:xfrm>
               <a:prstGeom prst="rect">
                 <a:avLst/>
               </a:prstGeom>
               <a:blipFill>
-                <a:blip r:embed="rId10"/>
+                <a:blip r:embed="rId8"/>
                 <a:stretch>
                   <a:fillRect t="-2778"/>
                 </a:stretch>
@@ -16204,8 +16143,8 @@
           </p:sp>
         </mc:Fallback>
       </mc:AlternateContent>
-      <mc:AlternateContent xmlns:mc="http://schemas.openxmlformats.org/markup-compatibility/2006">
-        <mc:Choice xmlns:a14="http://schemas.microsoft.com/office/drawing/2010/main" Requires="a14">
+      <mc:AlternateContent xmlns:mc="http://schemas.openxmlformats.org/markup-compatibility/2006" xmlns:a14="http://schemas.microsoft.com/office/drawing/2010/main">
+        <mc:Choice Requires="a14">
           <p:sp>
             <p:nvSpPr>
               <p:cNvPr id="35" name="TextBox 34">
@@ -16220,8 +16159,8 @@
             </p:nvSpPr>
             <p:spPr>
               <a:xfrm>
-                <a:off x="6666064" y="2066566"/>
-                <a:ext cx="1842096" cy="678904"/>
+                <a:off x="7316556" y="2066566"/>
+                <a:ext cx="1718654" cy="678904"/>
               </a:xfrm>
               <a:prstGeom prst="rect">
                 <a:avLst/>
@@ -16287,7 +16226,7 @@
             </p:txBody>
           </p:sp>
         </mc:Choice>
-        <mc:Fallback>
+        <mc:Fallback xmlns="">
           <p:sp>
             <p:nvSpPr>
               <p:cNvPr id="35" name="TextBox 34">
@@ -16304,8 +16243,278 @@
             </p:nvSpPr>
             <p:spPr>
               <a:xfrm>
-                <a:off x="6666064" y="2066566"/>
-                <a:ext cx="1842096" cy="678904"/>
+                <a:off x="7316556" y="2066566"/>
+                <a:ext cx="1718654" cy="678904"/>
+              </a:xfrm>
+              <a:prstGeom prst="rect">
+                <a:avLst/>
+              </a:prstGeom>
+              <a:blipFill>
+                <a:blip r:embed="rId9"/>
+                <a:stretch>
+                  <a:fillRect t="-5405" r="-1773"/>
+                </a:stretch>
+              </a:blipFill>
+            </p:spPr>
+            <p:txBody>
+              <a:bodyPr/>
+              <a:lstStyle/>
+              <a:p>
+                <a:r>
+                  <a:rPr lang="en-GB">
+                    <a:noFill/>
+                  </a:rPr>
+                  <a:t> </a:t>
+                </a:r>
+              </a:p>
+            </p:txBody>
+          </p:sp>
+        </mc:Fallback>
+      </mc:AlternateContent>
+      <mc:AlternateContent xmlns:mc="http://schemas.openxmlformats.org/markup-compatibility/2006" xmlns:a14="http://schemas.microsoft.com/office/drawing/2010/main">
+        <mc:Choice Requires="a14">
+          <p:sp>
+            <p:nvSpPr>
+              <p:cNvPr id="2" name="TextBox 1">
+                <a:extLst>
+                  <a:ext uri="{FF2B5EF4-FFF2-40B4-BE49-F238E27FC236}">
+                    <a16:creationId xmlns:a16="http://schemas.microsoft.com/office/drawing/2014/main" id="{E383BF61-58D4-7B3E-BD36-D98D5B882852}"/>
+                  </a:ext>
+                </a:extLst>
+              </p:cNvPr>
+              <p:cNvSpPr txBox="1"/>
+              <p:nvPr/>
+            </p:nvSpPr>
+            <p:spPr>
+              <a:xfrm>
+                <a:off x="4621377" y="3138191"/>
+                <a:ext cx="1167427" cy="378437"/>
+              </a:xfrm>
+              <a:prstGeom prst="rect">
+                <a:avLst/>
+              </a:prstGeom>
+              <a:noFill/>
+            </p:spPr>
+            <p:txBody>
+              <a:bodyPr wrap="square" rtlCol="0">
+                <a:spAutoFit/>
+              </a:bodyPr>
+              <a:lstStyle/>
+              <a:p>
+                <a:pPr/>
+                <a14:m>
+                  <m:oMathPara xmlns:m="http://schemas.openxmlformats.org/officeDocument/2006/math">
+                    <m:oMathParaPr>
+                      <m:jc m:val="centerGroup"/>
+                    </m:oMathParaPr>
+                    <m:oMath xmlns:m="http://schemas.openxmlformats.org/officeDocument/2006/math">
+                      <m:acc>
+                        <m:accPr>
+                          <m:chr m:val="̃"/>
+                          <m:ctrlPr>
+                            <a:rPr lang="it-IT" i="1" smtClean="0">
+                              <a:solidFill>
+                                <a:sysClr val="windowText" lastClr="000000"/>
+                              </a:solidFill>
+                              <a:latin typeface="Cambria Math" panose="02040503050406030204" pitchFamily="18" charset="0"/>
+                            </a:rPr>
+                          </m:ctrlPr>
+                        </m:accPr>
+                        <m:e>
+                          <m:r>
+                            <a:rPr lang="it-IT" i="1">
+                              <a:solidFill>
+                                <a:sysClr val="windowText" lastClr="000000"/>
+                              </a:solidFill>
+                              <a:latin typeface="Cambria Math" panose="02040503050406030204" pitchFamily="18" charset="0"/>
+                            </a:rPr>
+                            <m:t>𝜙</m:t>
+                          </m:r>
+                        </m:e>
+                      </m:acc>
+                      <m:r>
+                        <a:rPr lang="it-IT" b="0" i="1" smtClean="0">
+                          <a:solidFill>
+                            <a:sysClr val="windowText" lastClr="000000"/>
+                          </a:solidFill>
+                          <a:latin typeface="Cambria Math" panose="02040503050406030204" pitchFamily="18" charset="0"/>
+                        </a:rPr>
+                        <m:t> ,</m:t>
+                      </m:r>
+                      <m:r>
+                        <a:rPr lang="it-IT" i="1">
+                          <a:solidFill>
+                            <a:sysClr val="windowText" lastClr="000000"/>
+                          </a:solidFill>
+                          <a:latin typeface="Cambria Math" panose="02040503050406030204" pitchFamily="18" charset="0"/>
+                        </a:rPr>
+                        <m:t> </m:t>
+                      </m:r>
+                      <m:acc>
+                        <m:accPr>
+                          <m:chr m:val="̃"/>
+                          <m:ctrlPr>
+                            <a:rPr lang="it-IT" i="1">
+                              <a:solidFill>
+                                <a:sysClr val="windowText" lastClr="000000"/>
+                              </a:solidFill>
+                              <a:latin typeface="Cambria Math" panose="02040503050406030204" pitchFamily="18" charset="0"/>
+                            </a:rPr>
+                          </m:ctrlPr>
+                        </m:accPr>
+                        <m:e>
+                          <m:r>
+                            <a:rPr lang="it-IT" i="1">
+                              <a:solidFill>
+                                <a:sysClr val="windowText" lastClr="000000"/>
+                              </a:solidFill>
+                              <a:latin typeface="Cambria Math" panose="02040503050406030204" pitchFamily="18" charset="0"/>
+                            </a:rPr>
+                            <m:t>𝜃</m:t>
+                          </m:r>
+                        </m:e>
+                      </m:acc>
+                    </m:oMath>
+                  </m:oMathPara>
+                </a14:m>
+                <a:endParaRPr lang="en-GB" dirty="0"/>
+              </a:p>
+            </p:txBody>
+          </p:sp>
+        </mc:Choice>
+        <mc:Fallback xmlns="">
+          <p:sp>
+            <p:nvSpPr>
+              <p:cNvPr id="2" name="TextBox 1">
+                <a:extLst>
+                  <a:ext uri="{FF2B5EF4-FFF2-40B4-BE49-F238E27FC236}">
+                    <a16:creationId xmlns:a16="http://schemas.microsoft.com/office/drawing/2014/main" id="{E383BF61-58D4-7B3E-BD36-D98D5B882852}"/>
+                  </a:ext>
+                </a:extLst>
+              </p:cNvPr>
+              <p:cNvSpPr txBox="1">
+                <a:spLocks noRot="1" noChangeAspect="1" noMove="1" noResize="1" noEditPoints="1" noAdjustHandles="1" noChangeArrowheads="1" noChangeShapeType="1" noTextEdit="1"/>
+              </p:cNvSpPr>
+              <p:nvPr/>
+            </p:nvSpPr>
+            <p:spPr>
+              <a:xfrm>
+                <a:off x="4621377" y="3138191"/>
+                <a:ext cx="1167427" cy="378437"/>
+              </a:xfrm>
+              <a:prstGeom prst="rect">
+                <a:avLst/>
+              </a:prstGeom>
+              <a:blipFill>
+                <a:blip r:embed="rId10"/>
+                <a:stretch>
+                  <a:fillRect t="-3226" b="-12903"/>
+                </a:stretch>
+              </a:blipFill>
+            </p:spPr>
+            <p:txBody>
+              <a:bodyPr/>
+              <a:lstStyle/>
+              <a:p>
+                <a:r>
+                  <a:rPr lang="en-GB">
+                    <a:noFill/>
+                  </a:rPr>
+                  <a:t> </a:t>
+                </a:r>
+              </a:p>
+            </p:txBody>
+          </p:sp>
+        </mc:Fallback>
+      </mc:AlternateContent>
+      <mc:AlternateContent xmlns:mc="http://schemas.openxmlformats.org/markup-compatibility/2006" xmlns:a14="http://schemas.microsoft.com/office/drawing/2010/main">
+        <mc:Choice Requires="a14">
+          <p:sp>
+            <p:nvSpPr>
+              <p:cNvPr id="3" name="TextBox 2">
+                <a:extLst>
+                  <a:ext uri="{FF2B5EF4-FFF2-40B4-BE49-F238E27FC236}">
+                    <a16:creationId xmlns:a16="http://schemas.microsoft.com/office/drawing/2014/main" id="{ADFB6E2D-E8F7-D7D2-F8B4-2EE0533343C3}"/>
+                  </a:ext>
+                </a:extLst>
+              </p:cNvPr>
+              <p:cNvSpPr txBox="1"/>
+              <p:nvPr/>
+            </p:nvSpPr>
+            <p:spPr>
+              <a:xfrm>
+                <a:off x="10933063" y="3179378"/>
+                <a:ext cx="1167427" cy="381708"/>
+              </a:xfrm>
+              <a:prstGeom prst="rect">
+                <a:avLst/>
+              </a:prstGeom>
+              <a:noFill/>
+            </p:spPr>
+            <p:txBody>
+              <a:bodyPr wrap="square" rtlCol="0">
+                <a:spAutoFit/>
+              </a:bodyPr>
+              <a:lstStyle/>
+              <a:p>
+                <a:pPr/>
+                <a14:m>
+                  <m:oMathPara xmlns:m="http://schemas.openxmlformats.org/officeDocument/2006/math">
+                    <m:oMathParaPr>
+                      <m:jc m:val="centerGroup"/>
+                    </m:oMathParaPr>
+                    <m:oMath xmlns:m="http://schemas.openxmlformats.org/officeDocument/2006/math">
+                      <m:acc>
+                        <m:accPr>
+                          <m:chr m:val="̃"/>
+                          <m:ctrlPr>
+                            <a:rPr lang="it-IT" i="1" smtClean="0">
+                              <a:solidFill>
+                                <a:sysClr val="windowText" lastClr="000000"/>
+                              </a:solidFill>
+                              <a:latin typeface="Cambria Math" panose="02040503050406030204" pitchFamily="18" charset="0"/>
+                            </a:rPr>
+                          </m:ctrlPr>
+                        </m:accPr>
+                        <m:e>
+                          <m:r>
+                            <a:rPr lang="it-IT" b="0" i="1" smtClean="0">
+                              <a:solidFill>
+                                <a:sysClr val="windowText" lastClr="000000"/>
+                              </a:solidFill>
+                              <a:latin typeface="Cambria Math" panose="02040503050406030204" pitchFamily="18" charset="0"/>
+                            </a:rPr>
+                            <m:t>𝜓</m:t>
+                          </m:r>
+                        </m:e>
+                      </m:acc>
+                    </m:oMath>
+                  </m:oMathPara>
+                </a14:m>
+                <a:endParaRPr lang="en-GB" dirty="0"/>
+              </a:p>
+            </p:txBody>
+          </p:sp>
+        </mc:Choice>
+        <mc:Fallback xmlns="">
+          <p:sp>
+            <p:nvSpPr>
+              <p:cNvPr id="3" name="TextBox 2">
+                <a:extLst>
+                  <a:ext uri="{FF2B5EF4-FFF2-40B4-BE49-F238E27FC236}">
+                    <a16:creationId xmlns:a16="http://schemas.microsoft.com/office/drawing/2014/main" id="{ADFB6E2D-E8F7-D7D2-F8B4-2EE0533343C3}"/>
+                  </a:ext>
+                </a:extLst>
+              </p:cNvPr>
+              <p:cNvSpPr txBox="1">
+                <a:spLocks noRot="1" noChangeAspect="1" noMove="1" noResize="1" noEditPoints="1" noAdjustHandles="1" noChangeArrowheads="1" noChangeShapeType="1" noTextEdit="1"/>
+              </p:cNvSpPr>
+              <p:nvPr/>
+            </p:nvSpPr>
+            <p:spPr>
+              <a:xfrm>
+                <a:off x="10933063" y="3179378"/>
+                <a:ext cx="1167427" cy="381708"/>
               </a:xfrm>
               <a:prstGeom prst="rect">
                 <a:avLst/>
@@ -16313,7 +16522,7 @@
               <a:blipFill>
                 <a:blip r:embed="rId11"/>
                 <a:stretch>
-                  <a:fillRect t="-5405"/>
+                  <a:fillRect t="-4839" b="-12903"/>
                 </a:stretch>
               </a:blipFill>
             </p:spPr>
@@ -16364,10 +16573,10 @@
       </p:grpSpPr>
       <p:sp>
         <p:nvSpPr>
-          <p:cNvPr id="43" name="Rectangle 42">
+          <p:cNvPr id="17" name="Rectangle 16">
             <a:extLst>
               <a:ext uri="{FF2B5EF4-FFF2-40B4-BE49-F238E27FC236}">
-                <a16:creationId xmlns:a16="http://schemas.microsoft.com/office/drawing/2014/main" id="{35030773-28AF-F203-8B4D-7A855C2C07BA}"/>
+                <a16:creationId xmlns:a16="http://schemas.microsoft.com/office/drawing/2014/main" id="{05EFE166-A4B0-985A-D633-FC8D43969B2A}"/>
               </a:ext>
             </a:extLst>
           </p:cNvPr>
@@ -16376,8 +16585,8 @@
         </p:nvSpPr>
         <p:spPr>
           <a:xfrm>
-            <a:off x="963319" y="1320125"/>
-            <a:ext cx="4910642" cy="4735502"/>
+            <a:off x="7327313" y="1320125"/>
+            <a:ext cx="3813732" cy="4735502"/>
           </a:xfrm>
           <a:prstGeom prst="rect">
             <a:avLst/>
@@ -16419,10 +16628,10 @@
       </p:sp>
       <p:sp>
         <p:nvSpPr>
-          <p:cNvPr id="44" name="Rectangle 43">
+          <p:cNvPr id="43" name="Rectangle 42">
             <a:extLst>
               <a:ext uri="{FF2B5EF4-FFF2-40B4-BE49-F238E27FC236}">
-                <a16:creationId xmlns:a16="http://schemas.microsoft.com/office/drawing/2014/main" id="{C7286196-7FCE-3433-17EC-16AC47790E63}"/>
+                <a16:creationId xmlns:a16="http://schemas.microsoft.com/office/drawing/2014/main" id="{35030773-28AF-F203-8B4D-7A855C2C07BA}"/>
               </a:ext>
             </a:extLst>
           </p:cNvPr>
@@ -16431,8 +16640,8 @@
         </p:nvSpPr>
         <p:spPr>
           <a:xfrm>
-            <a:off x="6392728" y="1320125"/>
-            <a:ext cx="4910642" cy="4735502"/>
+            <a:off x="728411" y="1320125"/>
+            <a:ext cx="4363245" cy="4735502"/>
           </a:xfrm>
           <a:prstGeom prst="rect">
             <a:avLst/>
@@ -16494,7 +16703,7 @@
         </p:blipFill>
         <p:spPr>
           <a:xfrm>
-            <a:off x="1350405" y="1770230"/>
+            <a:off x="873597" y="1770230"/>
             <a:ext cx="4078846" cy="964736"/>
           </a:xfrm>
           <a:prstGeom prst="rect">
@@ -16716,7 +16925,7 @@
         </p:blipFill>
         <p:spPr>
           <a:xfrm>
-            <a:off x="7278833" y="1764786"/>
+            <a:off x="7557394" y="1764786"/>
             <a:ext cx="3344567" cy="970180"/>
           </a:xfrm>
           <a:prstGeom prst="rect">
@@ -16752,7 +16961,7 @@
         </p:blipFill>
         <p:spPr>
           <a:xfrm>
-            <a:off x="4204420" y="2858069"/>
+            <a:off x="3727612" y="2858069"/>
             <a:ext cx="1224831" cy="456180"/>
           </a:xfrm>
           <a:prstGeom prst="rect">
@@ -16789,7 +16998,7 @@
         </p:blipFill>
         <p:spPr>
           <a:xfrm>
-            <a:off x="7278832" y="2862410"/>
+            <a:off x="7557393" y="2862410"/>
             <a:ext cx="935745" cy="457628"/>
           </a:xfrm>
           <a:prstGeom prst="rect">
@@ -16826,7 +17035,7 @@
         </p:blipFill>
         <p:spPr>
           <a:xfrm>
-            <a:off x="9860963" y="2857048"/>
+            <a:off x="10139524" y="2857048"/>
             <a:ext cx="762436" cy="444202"/>
           </a:xfrm>
           <a:prstGeom prst="rect">
@@ -16863,7 +17072,7 @@
         </p:blipFill>
         <p:spPr>
           <a:xfrm>
-            <a:off x="1350406" y="3521672"/>
+            <a:off x="873598" y="3521672"/>
             <a:ext cx="4078846" cy="1623884"/>
           </a:xfrm>
           <a:prstGeom prst="rect">
@@ -16899,7 +17108,7 @@
         </p:blipFill>
         <p:spPr>
           <a:xfrm>
-            <a:off x="1351261" y="5269078"/>
+            <a:off x="874453" y="5269078"/>
             <a:ext cx="4092306" cy="719146"/>
           </a:xfrm>
           <a:prstGeom prst="rect">
@@ -16936,7 +17145,7 @@
         </p:blipFill>
         <p:spPr>
           <a:xfrm>
-            <a:off x="1350405" y="2857048"/>
+            <a:off x="873597" y="2857048"/>
             <a:ext cx="2342177" cy="456180"/>
           </a:xfrm>
           <a:prstGeom prst="rect">
@@ -16973,7 +17182,7 @@
         </p:blipFill>
         <p:spPr>
           <a:xfrm>
-            <a:off x="7278832" y="3481029"/>
+            <a:off x="7557393" y="3481029"/>
             <a:ext cx="3344567" cy="985831"/>
           </a:xfrm>
           <a:prstGeom prst="rect">
@@ -17009,7 +17218,7 @@
         </p:blipFill>
         <p:spPr>
           <a:xfrm>
-            <a:off x="7278833" y="5269078"/>
+            <a:off x="7557394" y="5269078"/>
             <a:ext cx="3344566" cy="719146"/>
           </a:xfrm>
           <a:prstGeom prst="rect">
@@ -17024,8 +17233,8 @@
           </a:ln>
         </p:spPr>
       </p:pic>
-      <mc:AlternateContent xmlns:mc="http://schemas.openxmlformats.org/markup-compatibility/2006">
-        <mc:Choice xmlns:a14="http://schemas.microsoft.com/office/drawing/2010/main" Requires="a14">
+      <mc:AlternateContent xmlns:mc="http://schemas.openxmlformats.org/markup-compatibility/2006" xmlns:a14="http://schemas.microsoft.com/office/drawing/2010/main">
+        <mc:Choice Requires="a14">
           <p:sp>
             <p:nvSpPr>
               <p:cNvPr id="46" name="TextBox 45">
@@ -17040,7 +17249,7 @@
             </p:nvSpPr>
             <p:spPr>
               <a:xfrm>
-                <a:off x="999176" y="1322875"/>
+                <a:off x="819095" y="1322875"/>
                 <a:ext cx="1026398" cy="394082"/>
               </a:xfrm>
               <a:prstGeom prst="rect">
@@ -17134,7 +17343,7 @@
             </p:txBody>
           </p:sp>
         </mc:Choice>
-        <mc:Fallback>
+        <mc:Fallback xmlns="">
           <p:sp>
             <p:nvSpPr>
               <p:cNvPr id="46" name="TextBox 45">
@@ -17151,7 +17360,7 @@
             </p:nvSpPr>
             <p:spPr>
               <a:xfrm>
-                <a:off x="999176" y="1322875"/>
+                <a:off x="819095" y="1322875"/>
                 <a:ext cx="1026398" cy="394082"/>
               </a:xfrm>
               <a:prstGeom prst="rect">
@@ -17179,8 +17388,8 @@
           </p:sp>
         </mc:Fallback>
       </mc:AlternateContent>
-      <mc:AlternateContent xmlns:mc="http://schemas.openxmlformats.org/markup-compatibility/2006">
-        <mc:Choice xmlns:a14="http://schemas.microsoft.com/office/drawing/2010/main" Requires="a14">
+      <mc:AlternateContent xmlns:mc="http://schemas.openxmlformats.org/markup-compatibility/2006" xmlns:a14="http://schemas.microsoft.com/office/drawing/2010/main">
+        <mc:Choice Requires="a14">
           <p:sp>
             <p:nvSpPr>
               <p:cNvPr id="48" name="TextBox 47">
@@ -17195,7 +17404,7 @@
             </p:nvSpPr>
             <p:spPr>
               <a:xfrm>
-                <a:off x="6392728" y="1321678"/>
+                <a:off x="7319245" y="1321678"/>
                 <a:ext cx="967387" cy="394082"/>
               </a:xfrm>
               <a:prstGeom prst="rect">
@@ -17271,7 +17480,7 @@
             </p:txBody>
           </p:sp>
         </mc:Choice>
-        <mc:Fallback>
+        <mc:Fallback xmlns="">
           <p:sp>
             <p:nvSpPr>
               <p:cNvPr id="48" name="TextBox 47">
@@ -17288,7 +17497,7 @@
             </p:nvSpPr>
             <p:spPr>
               <a:xfrm>
-                <a:off x="6392728" y="1321678"/>
+                <a:off x="7319245" y="1321678"/>
                 <a:ext cx="967387" cy="394082"/>
               </a:xfrm>
               <a:prstGeom prst="rect">
@@ -17298,6 +17507,1064 @@
                 <a:blip r:embed="rId14"/>
                 <a:stretch>
                   <a:fillRect b="-10938"/>
+                </a:stretch>
+              </a:blipFill>
+            </p:spPr>
+            <p:txBody>
+              <a:bodyPr/>
+              <a:lstStyle/>
+              <a:p>
+                <a:r>
+                  <a:rPr lang="en-GB">
+                    <a:noFill/>
+                  </a:rPr>
+                  <a:t> </a:t>
+                </a:r>
+              </a:p>
+            </p:txBody>
+          </p:sp>
+        </mc:Fallback>
+      </mc:AlternateContent>
+      <p:sp>
+        <p:nvSpPr>
+          <p:cNvPr id="2" name="Arrow: Right 1">
+            <a:extLst>
+              <a:ext uri="{FF2B5EF4-FFF2-40B4-BE49-F238E27FC236}">
+                <a16:creationId xmlns:a16="http://schemas.microsoft.com/office/drawing/2014/main" id="{BAFEB7C3-027B-CF09-24D5-9CAFDD4B9BF6}"/>
+              </a:ext>
+            </a:extLst>
+          </p:cNvPr>
+          <p:cNvSpPr/>
+          <p:nvPr/>
+        </p:nvSpPr>
+        <p:spPr>
+          <a:xfrm>
+            <a:off x="98650" y="3977675"/>
+            <a:ext cx="597164" cy="220981"/>
+          </a:xfrm>
+          <a:prstGeom prst="rightArrow">
+            <a:avLst>
+              <a:gd name="adj1" fmla="val 36358"/>
+              <a:gd name="adj2" fmla="val 60685"/>
+            </a:avLst>
+          </a:prstGeom>
+        </p:spPr>
+        <p:style>
+          <a:lnRef idx="1">
+            <a:schemeClr val="dk1"/>
+          </a:lnRef>
+          <a:fillRef idx="3">
+            <a:schemeClr val="dk1"/>
+          </a:fillRef>
+          <a:effectRef idx="2">
+            <a:schemeClr val="dk1"/>
+          </a:effectRef>
+          <a:fontRef idx="minor">
+            <a:schemeClr val="lt1"/>
+          </a:fontRef>
+        </p:style>
+        <p:txBody>
+          <a:bodyPr rtlCol="0" anchor="ctr"/>
+          <a:lstStyle/>
+          <a:p>
+            <a:pPr algn="ctr"/>
+            <a:endParaRPr lang="en-GB"/>
+          </a:p>
+        </p:txBody>
+      </p:sp>
+      <mc:AlternateContent xmlns:mc="http://schemas.openxmlformats.org/markup-compatibility/2006" xmlns:a14="http://schemas.microsoft.com/office/drawing/2010/main">
+        <mc:Choice Requires="a14">
+          <p:sp>
+            <p:nvSpPr>
+              <p:cNvPr id="5" name="TextBox 4">
+                <a:extLst>
+                  <a:ext uri="{FF2B5EF4-FFF2-40B4-BE49-F238E27FC236}">
+                    <a16:creationId xmlns:a16="http://schemas.microsoft.com/office/drawing/2014/main" id="{EE0894E5-1A1A-A129-7483-F068E6BD7E9B}"/>
+                  </a:ext>
+                </a:extLst>
+              </p:cNvPr>
+              <p:cNvSpPr txBox="1"/>
+              <p:nvPr/>
+            </p:nvSpPr>
+            <p:spPr>
+              <a:xfrm>
+                <a:off x="-84743" y="3117880"/>
+                <a:ext cx="977900" cy="374270"/>
+              </a:xfrm>
+              <a:prstGeom prst="rect">
+                <a:avLst/>
+              </a:prstGeom>
+              <a:noFill/>
+            </p:spPr>
+            <p:txBody>
+              <a:bodyPr wrap="square" rtlCol="0">
+                <a:spAutoFit/>
+              </a:bodyPr>
+              <a:lstStyle/>
+              <a:p>
+                <a:pPr/>
+                <a14:m>
+                  <m:oMathPara xmlns:m="http://schemas.openxmlformats.org/officeDocument/2006/math">
+                    <m:oMathParaPr>
+                      <m:jc m:val="centerGroup"/>
+                    </m:oMathParaPr>
+                    <m:oMath xmlns:m="http://schemas.openxmlformats.org/officeDocument/2006/math">
+                      <m:sSup>
+                        <m:sSupPr>
+                          <m:ctrlPr>
+                            <a:rPr lang="it-IT" b="0" i="1" smtClean="0">
+                              <a:latin typeface="Cambria Math" panose="02040503050406030204" pitchFamily="18" charset="0"/>
+                            </a:rPr>
+                          </m:ctrlPr>
+                        </m:sSupPr>
+                        <m:e>
+                          <m:r>
+                            <a:rPr lang="it-IT" b="0" i="1" smtClean="0">
+                              <a:latin typeface="Cambria Math" panose="02040503050406030204" pitchFamily="18" charset="0"/>
+                            </a:rPr>
+                            <m:t>𝜔</m:t>
+                          </m:r>
+                        </m:e>
+                        <m:sup>
+                          <m:r>
+                            <a:rPr lang="it-IT" b="0" i="1" smtClean="0">
+                              <a:latin typeface="Cambria Math" panose="02040503050406030204" pitchFamily="18" charset="0"/>
+                            </a:rPr>
+                            <m:t>𝑏</m:t>
+                          </m:r>
+                        </m:sup>
+                      </m:sSup>
+                    </m:oMath>
+                  </m:oMathPara>
+                </a14:m>
+                <a:endParaRPr lang="en-GB" dirty="0"/>
+              </a:p>
+            </p:txBody>
+          </p:sp>
+        </mc:Choice>
+        <mc:Fallback xmlns="">
+          <p:sp>
+            <p:nvSpPr>
+              <p:cNvPr id="5" name="TextBox 4">
+                <a:extLst>
+                  <a:ext uri="{FF2B5EF4-FFF2-40B4-BE49-F238E27FC236}">
+                    <a16:creationId xmlns:a16="http://schemas.microsoft.com/office/drawing/2014/main" id="{EE0894E5-1A1A-A129-7483-F068E6BD7E9B}"/>
+                  </a:ext>
+                </a:extLst>
+              </p:cNvPr>
+              <p:cNvSpPr txBox="1">
+                <a:spLocks noRot="1" noChangeAspect="1" noMove="1" noResize="1" noEditPoints="1" noAdjustHandles="1" noChangeArrowheads="1" noChangeShapeType="1" noTextEdit="1"/>
+              </p:cNvSpPr>
+              <p:nvPr/>
+            </p:nvSpPr>
+            <p:spPr>
+              <a:xfrm>
+                <a:off x="-84743" y="3117880"/>
+                <a:ext cx="977900" cy="374270"/>
+              </a:xfrm>
+              <a:prstGeom prst="rect">
+                <a:avLst/>
+              </a:prstGeom>
+              <a:blipFill>
+                <a:blip r:embed="rId15"/>
+                <a:stretch>
+                  <a:fillRect/>
+                </a:stretch>
+              </a:blipFill>
+            </p:spPr>
+            <p:txBody>
+              <a:bodyPr/>
+              <a:lstStyle/>
+              <a:p>
+                <a:r>
+                  <a:rPr lang="en-GB">
+                    <a:noFill/>
+                  </a:rPr>
+                  <a:t> </a:t>
+                </a:r>
+              </a:p>
+            </p:txBody>
+          </p:sp>
+        </mc:Fallback>
+      </mc:AlternateContent>
+      <p:sp>
+        <p:nvSpPr>
+          <p:cNvPr id="8" name="Arrow: Right 7">
+            <a:extLst>
+              <a:ext uri="{FF2B5EF4-FFF2-40B4-BE49-F238E27FC236}">
+                <a16:creationId xmlns:a16="http://schemas.microsoft.com/office/drawing/2014/main" id="{C298C1F5-7977-829B-94F9-353C762C54D7}"/>
+              </a:ext>
+            </a:extLst>
+          </p:cNvPr>
+          <p:cNvSpPr/>
+          <p:nvPr/>
+        </p:nvSpPr>
+        <p:spPr>
+          <a:xfrm>
+            <a:off x="98648" y="3394227"/>
+            <a:ext cx="597165" cy="220981"/>
+          </a:xfrm>
+          <a:prstGeom prst="rightArrow">
+            <a:avLst>
+              <a:gd name="adj1" fmla="val 36358"/>
+              <a:gd name="adj2" fmla="val 60685"/>
+            </a:avLst>
+          </a:prstGeom>
+        </p:spPr>
+        <p:style>
+          <a:lnRef idx="1">
+            <a:schemeClr val="dk1"/>
+          </a:lnRef>
+          <a:fillRef idx="3">
+            <a:schemeClr val="dk1"/>
+          </a:fillRef>
+          <a:effectRef idx="2">
+            <a:schemeClr val="dk1"/>
+          </a:effectRef>
+          <a:fontRef idx="minor">
+            <a:schemeClr val="lt1"/>
+          </a:fontRef>
+        </p:style>
+        <p:txBody>
+          <a:bodyPr rtlCol="0" anchor="ctr"/>
+          <a:lstStyle/>
+          <a:p>
+            <a:pPr algn="ctr"/>
+            <a:endParaRPr lang="en-GB"/>
+          </a:p>
+        </p:txBody>
+      </p:sp>
+      <mc:AlternateContent xmlns:mc="http://schemas.openxmlformats.org/markup-compatibility/2006" xmlns:a14="http://schemas.microsoft.com/office/drawing/2010/main">
+        <mc:Choice Requires="a14">
+          <p:sp>
+            <p:nvSpPr>
+              <p:cNvPr id="9" name="TextBox 8">
+                <a:extLst>
+                  <a:ext uri="{FF2B5EF4-FFF2-40B4-BE49-F238E27FC236}">
+                    <a16:creationId xmlns:a16="http://schemas.microsoft.com/office/drawing/2014/main" id="{9E51F338-5398-9A31-B26F-B30706A23CE4}"/>
+                  </a:ext>
+                </a:extLst>
+              </p:cNvPr>
+              <p:cNvSpPr txBox="1"/>
+              <p:nvPr/>
+            </p:nvSpPr>
+            <p:spPr>
+              <a:xfrm>
+                <a:off x="-261929" y="3691336"/>
+                <a:ext cx="1167427" cy="378437"/>
+              </a:xfrm>
+              <a:prstGeom prst="rect">
+                <a:avLst/>
+              </a:prstGeom>
+              <a:noFill/>
+            </p:spPr>
+            <p:txBody>
+              <a:bodyPr wrap="square" rtlCol="0">
+                <a:spAutoFit/>
+              </a:bodyPr>
+              <a:lstStyle/>
+              <a:p>
+                <a:pPr/>
+                <a14:m>
+                  <m:oMathPara xmlns:m="http://schemas.openxmlformats.org/officeDocument/2006/math">
+                    <m:oMathParaPr>
+                      <m:jc m:val="centerGroup"/>
+                    </m:oMathParaPr>
+                    <m:oMath xmlns:m="http://schemas.openxmlformats.org/officeDocument/2006/math">
+                      <m:acc>
+                        <m:accPr>
+                          <m:chr m:val="̃"/>
+                          <m:ctrlPr>
+                            <a:rPr lang="it-IT" i="1" smtClean="0">
+                              <a:solidFill>
+                                <a:sysClr val="windowText" lastClr="000000"/>
+                              </a:solidFill>
+                              <a:latin typeface="Cambria Math" panose="02040503050406030204" pitchFamily="18" charset="0"/>
+                            </a:rPr>
+                          </m:ctrlPr>
+                        </m:accPr>
+                        <m:e>
+                          <m:r>
+                            <a:rPr lang="it-IT" i="1">
+                              <a:solidFill>
+                                <a:sysClr val="windowText" lastClr="000000"/>
+                              </a:solidFill>
+                              <a:latin typeface="Cambria Math" panose="02040503050406030204" pitchFamily="18" charset="0"/>
+                            </a:rPr>
+                            <m:t>𝜙</m:t>
+                          </m:r>
+                        </m:e>
+                      </m:acc>
+                      <m:r>
+                        <a:rPr lang="it-IT" b="0" i="1" smtClean="0">
+                          <a:solidFill>
+                            <a:sysClr val="windowText" lastClr="000000"/>
+                          </a:solidFill>
+                          <a:latin typeface="Cambria Math" panose="02040503050406030204" pitchFamily="18" charset="0"/>
+                        </a:rPr>
+                        <m:t> ,</m:t>
+                      </m:r>
+                      <m:r>
+                        <a:rPr lang="it-IT" i="1">
+                          <a:solidFill>
+                            <a:sysClr val="windowText" lastClr="000000"/>
+                          </a:solidFill>
+                          <a:latin typeface="Cambria Math" panose="02040503050406030204" pitchFamily="18" charset="0"/>
+                        </a:rPr>
+                        <m:t> </m:t>
+                      </m:r>
+                      <m:acc>
+                        <m:accPr>
+                          <m:chr m:val="̃"/>
+                          <m:ctrlPr>
+                            <a:rPr lang="it-IT" i="1">
+                              <a:solidFill>
+                                <a:sysClr val="windowText" lastClr="000000"/>
+                              </a:solidFill>
+                              <a:latin typeface="Cambria Math" panose="02040503050406030204" pitchFamily="18" charset="0"/>
+                            </a:rPr>
+                          </m:ctrlPr>
+                        </m:accPr>
+                        <m:e>
+                          <m:r>
+                            <a:rPr lang="it-IT" i="1">
+                              <a:solidFill>
+                                <a:sysClr val="windowText" lastClr="000000"/>
+                              </a:solidFill>
+                              <a:latin typeface="Cambria Math" panose="02040503050406030204" pitchFamily="18" charset="0"/>
+                            </a:rPr>
+                            <m:t>𝜃</m:t>
+                          </m:r>
+                        </m:e>
+                      </m:acc>
+                    </m:oMath>
+                  </m:oMathPara>
+                </a14:m>
+                <a:endParaRPr lang="en-GB" dirty="0"/>
+              </a:p>
+            </p:txBody>
+          </p:sp>
+        </mc:Choice>
+        <mc:Fallback xmlns="">
+          <p:sp>
+            <p:nvSpPr>
+              <p:cNvPr id="9" name="TextBox 8">
+                <a:extLst>
+                  <a:ext uri="{FF2B5EF4-FFF2-40B4-BE49-F238E27FC236}">
+                    <a16:creationId xmlns:a16="http://schemas.microsoft.com/office/drawing/2014/main" id="{9E51F338-5398-9A31-B26F-B30706A23CE4}"/>
+                  </a:ext>
+                </a:extLst>
+              </p:cNvPr>
+              <p:cNvSpPr txBox="1">
+                <a:spLocks noRot="1" noChangeAspect="1" noMove="1" noResize="1" noEditPoints="1" noAdjustHandles="1" noChangeArrowheads="1" noChangeShapeType="1" noTextEdit="1"/>
+              </p:cNvSpPr>
+              <p:nvPr/>
+            </p:nvSpPr>
+            <p:spPr>
+              <a:xfrm>
+                <a:off x="-261929" y="3691336"/>
+                <a:ext cx="1167427" cy="378437"/>
+              </a:xfrm>
+              <a:prstGeom prst="rect">
+                <a:avLst/>
+              </a:prstGeom>
+              <a:blipFill>
+                <a:blip r:embed="rId16"/>
+                <a:stretch>
+                  <a:fillRect t="-3226" b="-12903"/>
+                </a:stretch>
+              </a:blipFill>
+            </p:spPr>
+            <p:txBody>
+              <a:bodyPr/>
+              <a:lstStyle/>
+              <a:p>
+                <a:r>
+                  <a:rPr lang="en-GB">
+                    <a:noFill/>
+                  </a:rPr>
+                  <a:t> </a:t>
+                </a:r>
+              </a:p>
+            </p:txBody>
+          </p:sp>
+        </mc:Fallback>
+      </mc:AlternateContent>
+      <p:sp>
+        <p:nvSpPr>
+          <p:cNvPr id="10" name="Arrow: Right 9">
+            <a:extLst>
+              <a:ext uri="{FF2B5EF4-FFF2-40B4-BE49-F238E27FC236}">
+                <a16:creationId xmlns:a16="http://schemas.microsoft.com/office/drawing/2014/main" id="{751F2AE1-323C-85AC-240A-7571543CD60F}"/>
+              </a:ext>
+            </a:extLst>
+          </p:cNvPr>
+          <p:cNvSpPr/>
+          <p:nvPr/>
+        </p:nvSpPr>
+        <p:spPr>
+          <a:xfrm>
+            <a:off x="5153121" y="3629091"/>
+            <a:ext cx="597164" cy="220981"/>
+          </a:xfrm>
+          <a:prstGeom prst="rightArrow">
+            <a:avLst>
+              <a:gd name="adj1" fmla="val 36358"/>
+              <a:gd name="adj2" fmla="val 60685"/>
+            </a:avLst>
+          </a:prstGeom>
+        </p:spPr>
+        <p:style>
+          <a:lnRef idx="1">
+            <a:schemeClr val="dk1"/>
+          </a:lnRef>
+          <a:fillRef idx="3">
+            <a:schemeClr val="dk1"/>
+          </a:fillRef>
+          <a:effectRef idx="2">
+            <a:schemeClr val="dk1"/>
+          </a:effectRef>
+          <a:fontRef idx="minor">
+            <a:schemeClr val="lt1"/>
+          </a:fontRef>
+        </p:style>
+        <p:txBody>
+          <a:bodyPr rtlCol="0" anchor="ctr"/>
+          <a:lstStyle/>
+          <a:p>
+            <a:pPr algn="ctr"/>
+            <a:endParaRPr lang="en-GB"/>
+          </a:p>
+        </p:txBody>
+      </p:sp>
+      <p:sp>
+        <p:nvSpPr>
+          <p:cNvPr id="11" name="Arrow: Right 10">
+            <a:extLst>
+              <a:ext uri="{FF2B5EF4-FFF2-40B4-BE49-F238E27FC236}">
+                <a16:creationId xmlns:a16="http://schemas.microsoft.com/office/drawing/2014/main" id="{A6EA6D5B-0840-BF78-7E0A-93FE5D513A0D}"/>
+              </a:ext>
+            </a:extLst>
+          </p:cNvPr>
+          <p:cNvSpPr/>
+          <p:nvPr/>
+        </p:nvSpPr>
+        <p:spPr>
+          <a:xfrm>
+            <a:off x="11281356" y="3752963"/>
+            <a:ext cx="597164" cy="220981"/>
+          </a:xfrm>
+          <a:prstGeom prst="rightArrow">
+            <a:avLst>
+              <a:gd name="adj1" fmla="val 36358"/>
+              <a:gd name="adj2" fmla="val 60685"/>
+            </a:avLst>
+          </a:prstGeom>
+        </p:spPr>
+        <p:style>
+          <a:lnRef idx="1">
+            <a:schemeClr val="dk1"/>
+          </a:lnRef>
+          <a:fillRef idx="3">
+            <a:schemeClr val="dk1"/>
+          </a:fillRef>
+          <a:effectRef idx="2">
+            <a:schemeClr val="dk1"/>
+          </a:effectRef>
+          <a:fontRef idx="minor">
+            <a:schemeClr val="lt1"/>
+          </a:fontRef>
+        </p:style>
+        <p:txBody>
+          <a:bodyPr rtlCol="0" anchor="ctr"/>
+          <a:lstStyle/>
+          <a:p>
+            <a:pPr algn="ctr"/>
+            <a:endParaRPr lang="en-GB"/>
+          </a:p>
+        </p:txBody>
+      </p:sp>
+      <p:sp>
+        <p:nvSpPr>
+          <p:cNvPr id="12" name="Arrow: Right 11">
+            <a:extLst>
+              <a:ext uri="{FF2B5EF4-FFF2-40B4-BE49-F238E27FC236}">
+                <a16:creationId xmlns:a16="http://schemas.microsoft.com/office/drawing/2014/main" id="{03371614-8E35-3F6B-0A9C-96E89E8E0F85}"/>
+              </a:ext>
+            </a:extLst>
+          </p:cNvPr>
+          <p:cNvSpPr/>
+          <p:nvPr/>
+        </p:nvSpPr>
+        <p:spPr>
+          <a:xfrm>
+            <a:off x="6624077" y="3394193"/>
+            <a:ext cx="597164" cy="220981"/>
+          </a:xfrm>
+          <a:prstGeom prst="rightArrow">
+            <a:avLst>
+              <a:gd name="adj1" fmla="val 36358"/>
+              <a:gd name="adj2" fmla="val 60685"/>
+            </a:avLst>
+          </a:prstGeom>
+        </p:spPr>
+        <p:style>
+          <a:lnRef idx="1">
+            <a:schemeClr val="dk1"/>
+          </a:lnRef>
+          <a:fillRef idx="3">
+            <a:schemeClr val="dk1"/>
+          </a:fillRef>
+          <a:effectRef idx="2">
+            <a:schemeClr val="dk1"/>
+          </a:effectRef>
+          <a:fontRef idx="minor">
+            <a:schemeClr val="lt1"/>
+          </a:fontRef>
+        </p:style>
+        <p:txBody>
+          <a:bodyPr rtlCol="0" anchor="ctr"/>
+          <a:lstStyle/>
+          <a:p>
+            <a:pPr algn="ctr"/>
+            <a:endParaRPr lang="en-GB"/>
+          </a:p>
+        </p:txBody>
+      </p:sp>
+      <mc:AlternateContent xmlns:mc="http://schemas.openxmlformats.org/markup-compatibility/2006" xmlns:a14="http://schemas.microsoft.com/office/drawing/2010/main">
+        <mc:Choice Requires="a14">
+          <p:sp>
+            <p:nvSpPr>
+              <p:cNvPr id="14" name="TextBox 13">
+                <a:extLst>
+                  <a:ext uri="{FF2B5EF4-FFF2-40B4-BE49-F238E27FC236}">
+                    <a16:creationId xmlns:a16="http://schemas.microsoft.com/office/drawing/2014/main" id="{0F349E02-0908-1CA7-5B3E-93C7D7C471AB}"/>
+                  </a:ext>
+                </a:extLst>
+              </p:cNvPr>
+              <p:cNvSpPr txBox="1"/>
+              <p:nvPr/>
+            </p:nvSpPr>
+            <p:spPr>
+              <a:xfrm>
+                <a:off x="6443315" y="3164433"/>
+                <a:ext cx="977900" cy="374270"/>
+              </a:xfrm>
+              <a:prstGeom prst="rect">
+                <a:avLst/>
+              </a:prstGeom>
+              <a:noFill/>
+            </p:spPr>
+            <p:txBody>
+              <a:bodyPr wrap="square" rtlCol="0">
+                <a:spAutoFit/>
+              </a:bodyPr>
+              <a:lstStyle/>
+              <a:p>
+                <a:pPr/>
+                <a14:m>
+                  <m:oMathPara xmlns:m="http://schemas.openxmlformats.org/officeDocument/2006/math">
+                    <m:oMathParaPr>
+                      <m:jc m:val="centerGroup"/>
+                    </m:oMathParaPr>
+                    <m:oMath xmlns:m="http://schemas.openxmlformats.org/officeDocument/2006/math">
+                      <m:sSup>
+                        <m:sSupPr>
+                          <m:ctrlPr>
+                            <a:rPr lang="it-IT" b="0" i="1" smtClean="0">
+                              <a:latin typeface="Cambria Math" panose="02040503050406030204" pitchFamily="18" charset="0"/>
+                            </a:rPr>
+                          </m:ctrlPr>
+                        </m:sSupPr>
+                        <m:e>
+                          <m:r>
+                            <a:rPr lang="it-IT" b="0" i="1" smtClean="0">
+                              <a:latin typeface="Cambria Math" panose="02040503050406030204" pitchFamily="18" charset="0"/>
+                            </a:rPr>
+                            <m:t>𝜔</m:t>
+                          </m:r>
+                        </m:e>
+                        <m:sup>
+                          <m:r>
+                            <a:rPr lang="it-IT" b="0" i="1" smtClean="0">
+                              <a:latin typeface="Cambria Math" panose="02040503050406030204" pitchFamily="18" charset="0"/>
+                            </a:rPr>
+                            <m:t>𝑏</m:t>
+                          </m:r>
+                        </m:sup>
+                      </m:sSup>
+                    </m:oMath>
+                  </m:oMathPara>
+                </a14:m>
+                <a:endParaRPr lang="en-GB" dirty="0"/>
+              </a:p>
+            </p:txBody>
+          </p:sp>
+        </mc:Choice>
+        <mc:Fallback xmlns="">
+          <p:sp>
+            <p:nvSpPr>
+              <p:cNvPr id="14" name="TextBox 13">
+                <a:extLst>
+                  <a:ext uri="{FF2B5EF4-FFF2-40B4-BE49-F238E27FC236}">
+                    <a16:creationId xmlns:a16="http://schemas.microsoft.com/office/drawing/2014/main" id="{0F349E02-0908-1CA7-5B3E-93C7D7C471AB}"/>
+                  </a:ext>
+                </a:extLst>
+              </p:cNvPr>
+              <p:cNvSpPr txBox="1">
+                <a:spLocks noRot="1" noChangeAspect="1" noMove="1" noResize="1" noEditPoints="1" noAdjustHandles="1" noChangeArrowheads="1" noChangeShapeType="1" noTextEdit="1"/>
+              </p:cNvSpPr>
+              <p:nvPr/>
+            </p:nvSpPr>
+            <p:spPr>
+              <a:xfrm>
+                <a:off x="6443315" y="3164433"/>
+                <a:ext cx="977900" cy="374270"/>
+              </a:xfrm>
+              <a:prstGeom prst="rect">
+                <a:avLst/>
+              </a:prstGeom>
+              <a:blipFill>
+                <a:blip r:embed="rId17"/>
+                <a:stretch>
+                  <a:fillRect/>
+                </a:stretch>
+              </a:blipFill>
+            </p:spPr>
+            <p:txBody>
+              <a:bodyPr/>
+              <a:lstStyle/>
+              <a:p>
+                <a:r>
+                  <a:rPr lang="en-GB">
+                    <a:noFill/>
+                  </a:rPr>
+                  <a:t> </a:t>
+                </a:r>
+              </a:p>
+            </p:txBody>
+          </p:sp>
+        </mc:Fallback>
+      </mc:AlternateContent>
+      <mc:AlternateContent xmlns:mc="http://schemas.openxmlformats.org/markup-compatibility/2006" xmlns:a14="http://schemas.microsoft.com/office/drawing/2010/main">
+        <mc:Choice Requires="a14">
+          <p:sp>
+            <p:nvSpPr>
+              <p:cNvPr id="15" name="TextBox 14">
+                <a:extLst>
+                  <a:ext uri="{FF2B5EF4-FFF2-40B4-BE49-F238E27FC236}">
+                    <a16:creationId xmlns:a16="http://schemas.microsoft.com/office/drawing/2014/main" id="{F71FAF85-08BD-39C1-E283-102C7F20DF89}"/>
+                  </a:ext>
+                </a:extLst>
+              </p:cNvPr>
+              <p:cNvSpPr txBox="1"/>
+              <p:nvPr/>
+            </p:nvSpPr>
+            <p:spPr>
+              <a:xfrm>
+                <a:off x="10947617" y="3464701"/>
+                <a:ext cx="1167427" cy="381708"/>
+              </a:xfrm>
+              <a:prstGeom prst="rect">
+                <a:avLst/>
+              </a:prstGeom>
+              <a:noFill/>
+            </p:spPr>
+            <p:txBody>
+              <a:bodyPr wrap="square" rtlCol="0">
+                <a:spAutoFit/>
+              </a:bodyPr>
+              <a:lstStyle/>
+              <a:p>
+                <a:pPr/>
+                <a14:m>
+                  <m:oMathPara xmlns:m="http://schemas.openxmlformats.org/officeDocument/2006/math">
+                    <m:oMathParaPr>
+                      <m:jc m:val="centerGroup"/>
+                    </m:oMathParaPr>
+                    <m:oMath xmlns:m="http://schemas.openxmlformats.org/officeDocument/2006/math">
+                      <m:acc>
+                        <m:accPr>
+                          <m:chr m:val="̃"/>
+                          <m:ctrlPr>
+                            <a:rPr lang="it-IT" i="1" smtClean="0">
+                              <a:solidFill>
+                                <a:sysClr val="windowText" lastClr="000000"/>
+                              </a:solidFill>
+                              <a:latin typeface="Cambria Math" panose="02040503050406030204" pitchFamily="18" charset="0"/>
+                            </a:rPr>
+                          </m:ctrlPr>
+                        </m:accPr>
+                        <m:e>
+                          <m:r>
+                            <a:rPr lang="it-IT" b="0" i="1" smtClean="0">
+                              <a:solidFill>
+                                <a:sysClr val="windowText" lastClr="000000"/>
+                              </a:solidFill>
+                              <a:latin typeface="Cambria Math" panose="02040503050406030204" pitchFamily="18" charset="0"/>
+                            </a:rPr>
+                            <m:t>𝜓</m:t>
+                          </m:r>
+                        </m:e>
+                      </m:acc>
+                    </m:oMath>
+                  </m:oMathPara>
+                </a14:m>
+                <a:endParaRPr lang="en-GB" dirty="0"/>
+              </a:p>
+            </p:txBody>
+          </p:sp>
+        </mc:Choice>
+        <mc:Fallback xmlns="">
+          <p:sp>
+            <p:nvSpPr>
+              <p:cNvPr id="15" name="TextBox 14">
+                <a:extLst>
+                  <a:ext uri="{FF2B5EF4-FFF2-40B4-BE49-F238E27FC236}">
+                    <a16:creationId xmlns:a16="http://schemas.microsoft.com/office/drawing/2014/main" id="{F71FAF85-08BD-39C1-E283-102C7F20DF89}"/>
+                  </a:ext>
+                </a:extLst>
+              </p:cNvPr>
+              <p:cNvSpPr txBox="1">
+                <a:spLocks noRot="1" noChangeAspect="1" noMove="1" noResize="1" noEditPoints="1" noAdjustHandles="1" noChangeArrowheads="1" noChangeShapeType="1" noTextEdit="1"/>
+              </p:cNvSpPr>
+              <p:nvPr/>
+            </p:nvSpPr>
+            <p:spPr>
+              <a:xfrm>
+                <a:off x="10947617" y="3464701"/>
+                <a:ext cx="1167427" cy="381708"/>
+              </a:xfrm>
+              <a:prstGeom prst="rect">
+                <a:avLst/>
+              </a:prstGeom>
+              <a:blipFill>
+                <a:blip r:embed="rId18"/>
+                <a:stretch>
+                  <a:fillRect t="-4762" b="-12698"/>
+                </a:stretch>
+              </a:blipFill>
+            </p:spPr>
+            <p:txBody>
+              <a:bodyPr/>
+              <a:lstStyle/>
+              <a:p>
+                <a:r>
+                  <a:rPr lang="en-GB">
+                    <a:noFill/>
+                  </a:rPr>
+                  <a:t> </a:t>
+                </a:r>
+              </a:p>
+            </p:txBody>
+          </p:sp>
+        </mc:Fallback>
+      </mc:AlternateContent>
+      <mc:AlternateContent xmlns:mc="http://schemas.openxmlformats.org/markup-compatibility/2006" xmlns:a14="http://schemas.microsoft.com/office/drawing/2010/main">
+        <mc:Choice Requires="a14">
+          <p:sp>
+            <p:nvSpPr>
+              <p:cNvPr id="16" name="TextBox 15">
+                <a:extLst>
+                  <a:ext uri="{FF2B5EF4-FFF2-40B4-BE49-F238E27FC236}">
+                    <a16:creationId xmlns:a16="http://schemas.microsoft.com/office/drawing/2014/main" id="{2CEA3DBC-CC08-202A-C606-92DC7E773EB7}"/>
+                  </a:ext>
+                </a:extLst>
+              </p:cNvPr>
+              <p:cNvSpPr txBox="1"/>
+              <p:nvPr/>
+            </p:nvSpPr>
+            <p:spPr>
+              <a:xfrm>
+                <a:off x="4919724" y="3343771"/>
+                <a:ext cx="889507" cy="384208"/>
+              </a:xfrm>
+              <a:prstGeom prst="rect">
+                <a:avLst/>
+              </a:prstGeom>
+              <a:noFill/>
+            </p:spPr>
+            <p:txBody>
+              <a:bodyPr wrap="square" rtlCol="0">
+                <a:spAutoFit/>
+              </a:bodyPr>
+              <a:lstStyle/>
+              <a:p>
+                <a:pPr/>
+                <a14:m>
+                  <m:oMathPara xmlns:m="http://schemas.openxmlformats.org/officeDocument/2006/math">
+                    <m:oMathParaPr>
+                      <m:jc m:val="centerGroup"/>
+                    </m:oMathParaPr>
+                    <m:oMath xmlns:m="http://schemas.openxmlformats.org/officeDocument/2006/math">
+                      <m:acc>
+                        <m:accPr>
+                          <m:chr m:val="̂"/>
+                          <m:ctrlPr>
+                            <a:rPr lang="it-IT" b="0" i="1" smtClean="0">
+                              <a:latin typeface="Cambria Math" panose="02040503050406030204" pitchFamily="18" charset="0"/>
+                            </a:rPr>
+                          </m:ctrlPr>
+                        </m:accPr>
+                        <m:e>
+                          <m:r>
+                            <a:rPr lang="it-IT" b="0" i="1" smtClean="0">
+                              <a:latin typeface="Cambria Math" panose="02040503050406030204" pitchFamily="18" charset="0"/>
+                            </a:rPr>
+                            <m:t>𝜙</m:t>
+                          </m:r>
+                          <m:r>
+                            <a:rPr lang="it-IT" b="0" i="1" smtClean="0">
+                              <a:latin typeface="Cambria Math" panose="02040503050406030204" pitchFamily="18" charset="0"/>
+                            </a:rPr>
+                            <m:t> </m:t>
+                          </m:r>
+                        </m:e>
+                      </m:acc>
+                      <m:r>
+                        <a:rPr lang="it-IT" b="0" i="1" smtClean="0">
+                          <a:latin typeface="Cambria Math" panose="02040503050406030204" pitchFamily="18" charset="0"/>
+                        </a:rPr>
+                        <m:t>, </m:t>
+                      </m:r>
+                      <m:acc>
+                        <m:accPr>
+                          <m:chr m:val="̂"/>
+                          <m:ctrlPr>
+                            <a:rPr lang="it-IT" b="0" i="1" smtClean="0">
+                              <a:latin typeface="Cambria Math" panose="02040503050406030204" pitchFamily="18" charset="0"/>
+                            </a:rPr>
+                          </m:ctrlPr>
+                        </m:accPr>
+                        <m:e>
+                          <m:r>
+                            <a:rPr lang="it-IT" b="0" i="1" smtClean="0">
+                              <a:latin typeface="Cambria Math" panose="02040503050406030204" pitchFamily="18" charset="0"/>
+                            </a:rPr>
+                            <m:t>𝜃</m:t>
+                          </m:r>
+                        </m:e>
+                      </m:acc>
+                    </m:oMath>
+                  </m:oMathPara>
+                </a14:m>
+                <a:endParaRPr lang="en-GB" dirty="0"/>
+              </a:p>
+            </p:txBody>
+          </p:sp>
+        </mc:Choice>
+        <mc:Fallback xmlns="">
+          <p:sp>
+            <p:nvSpPr>
+              <p:cNvPr id="16" name="TextBox 15">
+                <a:extLst>
+                  <a:ext uri="{FF2B5EF4-FFF2-40B4-BE49-F238E27FC236}">
+                    <a16:creationId xmlns:a16="http://schemas.microsoft.com/office/drawing/2014/main" id="{2CEA3DBC-CC08-202A-C606-92DC7E773EB7}"/>
+                  </a:ext>
+                </a:extLst>
+              </p:cNvPr>
+              <p:cNvSpPr txBox="1">
+                <a:spLocks noRot="1" noChangeAspect="1" noMove="1" noResize="1" noEditPoints="1" noAdjustHandles="1" noChangeArrowheads="1" noChangeShapeType="1" noTextEdit="1"/>
+              </p:cNvSpPr>
+              <p:nvPr/>
+            </p:nvSpPr>
+            <p:spPr>
+              <a:xfrm>
+                <a:off x="4919724" y="3343771"/>
+                <a:ext cx="889507" cy="384208"/>
+              </a:xfrm>
+              <a:prstGeom prst="rect">
+                <a:avLst/>
+              </a:prstGeom>
+              <a:blipFill>
+                <a:blip r:embed="rId19"/>
+                <a:stretch>
+                  <a:fillRect t="-7937" r="-6849" b="-11111"/>
+                </a:stretch>
+              </a:blipFill>
+            </p:spPr>
+            <p:txBody>
+              <a:bodyPr/>
+              <a:lstStyle/>
+              <a:p>
+                <a:r>
+                  <a:rPr lang="en-GB">
+                    <a:noFill/>
+                  </a:rPr>
+                  <a:t> </a:t>
+                </a:r>
+              </a:p>
+            </p:txBody>
+          </p:sp>
+        </mc:Fallback>
+      </mc:AlternateContent>
+      <p:sp>
+        <p:nvSpPr>
+          <p:cNvPr id="18" name="Arrow: Right 17">
+            <a:extLst>
+              <a:ext uri="{FF2B5EF4-FFF2-40B4-BE49-F238E27FC236}">
+                <a16:creationId xmlns:a16="http://schemas.microsoft.com/office/drawing/2014/main" id="{98A47659-1BB9-3DC9-102E-B9D1B7D46BC7}"/>
+              </a:ext>
+            </a:extLst>
+          </p:cNvPr>
+          <p:cNvSpPr/>
+          <p:nvPr/>
+        </p:nvSpPr>
+        <p:spPr>
+          <a:xfrm>
+            <a:off x="6642148" y="3970885"/>
+            <a:ext cx="597164" cy="220981"/>
+          </a:xfrm>
+          <a:prstGeom prst="rightArrow">
+            <a:avLst>
+              <a:gd name="adj1" fmla="val 36358"/>
+              <a:gd name="adj2" fmla="val 60685"/>
+            </a:avLst>
+          </a:prstGeom>
+        </p:spPr>
+        <p:style>
+          <a:lnRef idx="1">
+            <a:schemeClr val="dk1"/>
+          </a:lnRef>
+          <a:fillRef idx="3">
+            <a:schemeClr val="dk1"/>
+          </a:fillRef>
+          <a:effectRef idx="2">
+            <a:schemeClr val="dk1"/>
+          </a:effectRef>
+          <a:fontRef idx="minor">
+            <a:schemeClr val="lt1"/>
+          </a:fontRef>
+        </p:style>
+        <p:txBody>
+          <a:bodyPr rtlCol="0" anchor="ctr"/>
+          <a:lstStyle/>
+          <a:p>
+            <a:pPr algn="ctr"/>
+            <a:endParaRPr lang="en-GB"/>
+          </a:p>
+        </p:txBody>
+      </p:sp>
+      <mc:AlternateContent xmlns:mc="http://schemas.openxmlformats.org/markup-compatibility/2006" xmlns:a14="http://schemas.microsoft.com/office/drawing/2010/main">
+        <mc:Choice Requires="a14">
+          <p:sp>
+            <p:nvSpPr>
+              <p:cNvPr id="19" name="TextBox 18">
+                <a:extLst>
+                  <a:ext uri="{FF2B5EF4-FFF2-40B4-BE49-F238E27FC236}">
+                    <a16:creationId xmlns:a16="http://schemas.microsoft.com/office/drawing/2014/main" id="{988FB80F-5DD1-71CA-58B7-D39CCD46F41C}"/>
+                  </a:ext>
+                </a:extLst>
+              </p:cNvPr>
+              <p:cNvSpPr txBox="1"/>
+              <p:nvPr/>
+            </p:nvSpPr>
+            <p:spPr>
+              <a:xfrm>
+                <a:off x="6408751" y="3685565"/>
+                <a:ext cx="889507" cy="384208"/>
+              </a:xfrm>
+              <a:prstGeom prst="rect">
+                <a:avLst/>
+              </a:prstGeom>
+              <a:noFill/>
+            </p:spPr>
+            <p:txBody>
+              <a:bodyPr wrap="square" rtlCol="0">
+                <a:spAutoFit/>
+              </a:bodyPr>
+              <a:lstStyle/>
+              <a:p>
+                <a:pPr/>
+                <a14:m>
+                  <m:oMathPara xmlns:m="http://schemas.openxmlformats.org/officeDocument/2006/math">
+                    <m:oMathParaPr>
+                      <m:jc m:val="centerGroup"/>
+                    </m:oMathParaPr>
+                    <m:oMath xmlns:m="http://schemas.openxmlformats.org/officeDocument/2006/math">
+                      <m:acc>
+                        <m:accPr>
+                          <m:chr m:val="̂"/>
+                          <m:ctrlPr>
+                            <a:rPr lang="it-IT" b="0" i="1" smtClean="0">
+                              <a:latin typeface="Cambria Math" panose="02040503050406030204" pitchFamily="18" charset="0"/>
+                            </a:rPr>
+                          </m:ctrlPr>
+                        </m:accPr>
+                        <m:e>
+                          <m:r>
+                            <a:rPr lang="it-IT" b="0" i="1" smtClean="0">
+                              <a:latin typeface="Cambria Math" panose="02040503050406030204" pitchFamily="18" charset="0"/>
+                            </a:rPr>
+                            <m:t>𝜙</m:t>
+                          </m:r>
+                          <m:r>
+                            <a:rPr lang="it-IT" b="0" i="1" smtClean="0">
+                              <a:latin typeface="Cambria Math" panose="02040503050406030204" pitchFamily="18" charset="0"/>
+                            </a:rPr>
+                            <m:t> </m:t>
+                          </m:r>
+                        </m:e>
+                      </m:acc>
+                      <m:r>
+                        <a:rPr lang="it-IT" b="0" i="1" smtClean="0">
+                          <a:latin typeface="Cambria Math" panose="02040503050406030204" pitchFamily="18" charset="0"/>
+                        </a:rPr>
+                        <m:t>, </m:t>
+                      </m:r>
+                      <m:acc>
+                        <m:accPr>
+                          <m:chr m:val="̂"/>
+                          <m:ctrlPr>
+                            <a:rPr lang="it-IT" b="0" i="1" smtClean="0">
+                              <a:latin typeface="Cambria Math" panose="02040503050406030204" pitchFamily="18" charset="0"/>
+                            </a:rPr>
+                          </m:ctrlPr>
+                        </m:accPr>
+                        <m:e>
+                          <m:r>
+                            <a:rPr lang="it-IT" b="0" i="1" smtClean="0">
+                              <a:latin typeface="Cambria Math" panose="02040503050406030204" pitchFamily="18" charset="0"/>
+                            </a:rPr>
+                            <m:t>𝜃</m:t>
+                          </m:r>
+                        </m:e>
+                      </m:acc>
+                    </m:oMath>
+                  </m:oMathPara>
+                </a14:m>
+                <a:endParaRPr lang="en-GB" dirty="0"/>
+              </a:p>
+            </p:txBody>
+          </p:sp>
+        </mc:Choice>
+        <mc:Fallback xmlns="">
+          <p:sp>
+            <p:nvSpPr>
+              <p:cNvPr id="19" name="TextBox 18">
+                <a:extLst>
+                  <a:ext uri="{FF2B5EF4-FFF2-40B4-BE49-F238E27FC236}">
+                    <a16:creationId xmlns:a16="http://schemas.microsoft.com/office/drawing/2014/main" id="{988FB80F-5DD1-71CA-58B7-D39CCD46F41C}"/>
+                  </a:ext>
+                </a:extLst>
+              </p:cNvPr>
+              <p:cNvSpPr txBox="1">
+                <a:spLocks noRot="1" noChangeAspect="1" noMove="1" noResize="1" noEditPoints="1" noAdjustHandles="1" noChangeArrowheads="1" noChangeShapeType="1" noTextEdit="1"/>
+              </p:cNvSpPr>
+              <p:nvPr/>
+            </p:nvSpPr>
+            <p:spPr>
+              <a:xfrm>
+                <a:off x="6408751" y="3685565"/>
+                <a:ext cx="889507" cy="384208"/>
+              </a:xfrm>
+              <a:prstGeom prst="rect">
+                <a:avLst/>
+              </a:prstGeom>
+              <a:blipFill>
+                <a:blip r:embed="rId20"/>
+                <a:stretch>
+                  <a:fillRect t="-7937" r="-6849" b="-11111"/>
                 </a:stretch>
               </a:blipFill>
             </p:spPr>
@@ -17561,7 +18828,7 @@
           <a:p>
             <a:r>
               <a:rPr lang="it-IT" dirty="0" err="1"/>
-              <a:t>Result</a:t>
+              <a:t>Results</a:t>
             </a:r>
             <a:r>
               <a:rPr lang="it-IT" dirty="0"/>
@@ -17571,10 +18838,1595 @@
           </a:p>
         </p:txBody>
       </p:sp>
+      <p:pic>
+        <p:nvPicPr>
+          <p:cNvPr id="27" name="Picture 26" descr="A graph of a graph&#10;&#10;Description automatically generated with medium confidence">
+            <a:extLst>
+              <a:ext uri="{FF2B5EF4-FFF2-40B4-BE49-F238E27FC236}">
+                <a16:creationId xmlns:a16="http://schemas.microsoft.com/office/drawing/2014/main" id="{2BFC9207-0D6A-97D7-BDCE-A9A83C104118}"/>
+              </a:ext>
+            </a:extLst>
+          </p:cNvPr>
+          <p:cNvPicPr>
+            <a:picLocks noChangeAspect="1"/>
+          </p:cNvPicPr>
+          <p:nvPr/>
+        </p:nvPicPr>
+        <p:blipFill>
+          <a:blip r:embed="rId3">
+            <a:extLst>
+              <a:ext uri="{28A0092B-C50C-407E-A947-70E740481C1C}">
+                <a14:useLocalDpi xmlns:a14="http://schemas.microsoft.com/office/drawing/2010/main" val="0"/>
+              </a:ext>
+            </a:extLst>
+          </a:blip>
+          <a:stretch>
+            <a:fillRect/>
+          </a:stretch>
+        </p:blipFill>
+        <p:spPr>
+          <a:xfrm>
+            <a:off x="1652449" y="1281864"/>
+            <a:ext cx="8741118" cy="1622813"/>
+          </a:xfrm>
+          <a:prstGeom prst="rect">
+            <a:avLst/>
+          </a:prstGeom>
+          <a:ln>
+            <a:noFill/>
+          </a:ln>
+        </p:spPr>
+      </p:pic>
+      <p:pic>
+        <p:nvPicPr>
+          <p:cNvPr id="35" name="Picture 34" descr="A graph with lines and dots&#10;&#10;Description automatically generated">
+            <a:extLst>
+              <a:ext uri="{FF2B5EF4-FFF2-40B4-BE49-F238E27FC236}">
+                <a16:creationId xmlns:a16="http://schemas.microsoft.com/office/drawing/2014/main" id="{93D56C1C-5407-AEB5-F516-6401E1CBEA33}"/>
+              </a:ext>
+            </a:extLst>
+          </p:cNvPr>
+          <p:cNvPicPr>
+            <a:picLocks noChangeAspect="1"/>
+          </p:cNvPicPr>
+          <p:nvPr/>
+        </p:nvPicPr>
+        <p:blipFill>
+          <a:blip r:embed="rId4">
+            <a:extLst>
+              <a:ext uri="{28A0092B-C50C-407E-A947-70E740481C1C}">
+                <a14:useLocalDpi xmlns:a14="http://schemas.microsoft.com/office/drawing/2010/main" val="0"/>
+              </a:ext>
+            </a:extLst>
+          </a:blip>
+          <a:stretch>
+            <a:fillRect/>
+          </a:stretch>
+        </p:blipFill>
+        <p:spPr>
+          <a:xfrm>
+            <a:off x="1652448" y="2868727"/>
+            <a:ext cx="8741118" cy="1622814"/>
+          </a:xfrm>
+          <a:prstGeom prst="rect">
+            <a:avLst/>
+          </a:prstGeom>
+          <a:ln>
+            <a:noFill/>
+          </a:ln>
+        </p:spPr>
+      </p:pic>
+      <p:pic>
+        <p:nvPicPr>
+          <p:cNvPr id="38" name="Picture 37" descr="A graph of a graph&#10;&#10;Description automatically generated">
+            <a:extLst>
+              <a:ext uri="{FF2B5EF4-FFF2-40B4-BE49-F238E27FC236}">
+                <a16:creationId xmlns:a16="http://schemas.microsoft.com/office/drawing/2014/main" id="{7933220A-69E5-712F-2D05-04A064683C07}"/>
+              </a:ext>
+            </a:extLst>
+          </p:cNvPr>
+          <p:cNvPicPr>
+            <a:picLocks noChangeAspect="1"/>
+          </p:cNvPicPr>
+          <p:nvPr/>
+        </p:nvPicPr>
+        <p:blipFill>
+          <a:blip r:embed="rId5">
+            <a:extLst>
+              <a:ext uri="{28A0092B-C50C-407E-A947-70E740481C1C}">
+                <a14:useLocalDpi xmlns:a14="http://schemas.microsoft.com/office/drawing/2010/main" val="0"/>
+              </a:ext>
+            </a:extLst>
+          </a:blip>
+          <a:stretch>
+            <a:fillRect/>
+          </a:stretch>
+        </p:blipFill>
+        <p:spPr>
+          <a:xfrm>
+            <a:off x="1652447" y="4487276"/>
+            <a:ext cx="8741119" cy="1622815"/>
+          </a:xfrm>
+          <a:prstGeom prst="rect">
+            <a:avLst/>
+          </a:prstGeom>
+          <a:ln>
+            <a:noFill/>
+          </a:ln>
+        </p:spPr>
+      </p:pic>
     </p:spTree>
     <p:extLst>
       <p:ext uri="{BB962C8B-B14F-4D97-AF65-F5344CB8AC3E}">
         <p14:creationId xmlns:p14="http://schemas.microsoft.com/office/powerpoint/2010/main" val="1209295395"/>
+      </p:ext>
+    </p:extLst>
+  </p:cSld>
+  <p:clrMapOvr>
+    <a:masterClrMapping/>
+  </p:clrMapOvr>
+</p:sld>
+</file>
+
+<file path=ppt/slides/slide8.xml><?xml version="1.0" encoding="utf-8"?>
+<p:sld xmlns:a="http://schemas.openxmlformats.org/drawingml/2006/main" xmlns:r="http://schemas.openxmlformats.org/officeDocument/2006/relationships" xmlns:p="http://schemas.openxmlformats.org/presentationml/2006/main">
+  <p:cSld>
+    <p:spTree>
+      <p:nvGrpSpPr>
+        <p:cNvPr id="1" name=""/>
+        <p:cNvGrpSpPr/>
+        <p:nvPr/>
+      </p:nvGrpSpPr>
+      <p:grpSpPr>
+        <a:xfrm>
+          <a:off x="0" y="0"/>
+          <a:ext cx="0" cy="0"/>
+          <a:chOff x="0" y="0"/>
+          <a:chExt cx="0" cy="0"/>
+        </a:xfrm>
+      </p:grpSpPr>
+      <p:sp>
+        <p:nvSpPr>
+          <p:cNvPr id="5" name="Rectangle 4">
+            <a:extLst>
+              <a:ext uri="{FF2B5EF4-FFF2-40B4-BE49-F238E27FC236}">
+                <a16:creationId xmlns:a16="http://schemas.microsoft.com/office/drawing/2014/main" id="{00CAEDAB-76BF-E804-23AD-45B1B82501F8}"/>
+              </a:ext>
+            </a:extLst>
+          </p:cNvPr>
+          <p:cNvSpPr/>
+          <p:nvPr/>
+        </p:nvSpPr>
+        <p:spPr>
+          <a:xfrm>
+            <a:off x="2815869" y="1959336"/>
+            <a:ext cx="6174421" cy="3392867"/>
+          </a:xfrm>
+          <a:prstGeom prst="rect">
+            <a:avLst/>
+          </a:prstGeom>
+          <a:solidFill>
+            <a:schemeClr val="bg1">
+              <a:lumMod val="95000"/>
+            </a:schemeClr>
+          </a:solidFill>
+          <a:ln>
+            <a:solidFill>
+              <a:schemeClr val="tx1"/>
+            </a:solidFill>
+            <a:prstDash val="dash"/>
+          </a:ln>
+        </p:spPr>
+        <p:style>
+          <a:lnRef idx="1">
+            <a:schemeClr val="accent1"/>
+          </a:lnRef>
+          <a:fillRef idx="3">
+            <a:schemeClr val="accent1"/>
+          </a:fillRef>
+          <a:effectRef idx="2">
+            <a:schemeClr val="accent1"/>
+          </a:effectRef>
+          <a:fontRef idx="minor">
+            <a:schemeClr val="lt1"/>
+          </a:fontRef>
+        </p:style>
+        <p:txBody>
+          <a:bodyPr rtlCol="0" anchor="ctr"/>
+          <a:lstStyle/>
+          <a:p>
+            <a:pPr algn="ctr"/>
+            <a:endParaRPr lang="en-GB" dirty="0"/>
+          </a:p>
+        </p:txBody>
+      </p:sp>
+      <p:sp>
+        <p:nvSpPr>
+          <p:cNvPr id="37" name="Titolo 5">
+            <a:extLst>
+              <a:ext uri="{FF2B5EF4-FFF2-40B4-BE49-F238E27FC236}">
+                <a16:creationId xmlns:a16="http://schemas.microsoft.com/office/drawing/2014/main" id="{4597CFC1-1A6D-2842-A5C5-FF24297C37BC}"/>
+              </a:ext>
+            </a:extLst>
+          </p:cNvPr>
+          <p:cNvSpPr txBox="1">
+            <a:spLocks/>
+          </p:cNvSpPr>
+          <p:nvPr/>
+        </p:nvSpPr>
+        <p:spPr>
+          <a:xfrm>
+            <a:off x="289250" y="139166"/>
+            <a:ext cx="10104316" cy="840400"/>
+          </a:xfrm>
+          <a:prstGeom prst="rect">
+            <a:avLst/>
+          </a:prstGeom>
+        </p:spPr>
+        <p:txBody>
+          <a:bodyPr vert="horz" lIns="91440" tIns="45720" rIns="91440" bIns="45720" rtlCol="0" anchor="t" anchorCtr="0">
+            <a:normAutofit/>
+          </a:bodyPr>
+          <a:lstStyle>
+            <a:lvl1pPr marL="0" indent="0" algn="l" defTabSz="457200" rtl="0" eaLnBrk="1" latinLnBrk="0" hangingPunct="1">
+              <a:spcBef>
+                <a:spcPct val="0"/>
+              </a:spcBef>
+              <a:buNone/>
+              <a:defRPr sz="2200" b="1" kern="1200">
+                <a:solidFill>
+                  <a:schemeClr val="bg1"/>
+                </a:solidFill>
+                <a:latin typeface="Arial"/>
+                <a:ea typeface="+mj-ea"/>
+                <a:cs typeface="Arial"/>
+              </a:defRPr>
+            </a:lvl1pPr>
+          </a:lstStyle>
+          <a:p>
+            <a:endParaRPr lang="en-US" sz="2200"/>
+          </a:p>
+        </p:txBody>
+      </p:sp>
+      <p:sp>
+        <p:nvSpPr>
+          <p:cNvPr id="21" name="Rettangolo 20">
+            <a:extLst>
+              <a:ext uri="{FF2B5EF4-FFF2-40B4-BE49-F238E27FC236}">
+                <a16:creationId xmlns:a16="http://schemas.microsoft.com/office/drawing/2014/main" id="{89957A61-43FF-2E56-B5FD-18FAE251F81A}"/>
+              </a:ext>
+            </a:extLst>
+          </p:cNvPr>
+          <p:cNvSpPr/>
+          <p:nvPr/>
+        </p:nvSpPr>
+        <p:spPr>
+          <a:xfrm>
+            <a:off x="205272" y="6331974"/>
+            <a:ext cx="6657643" cy="369332"/>
+          </a:xfrm>
+          <a:prstGeom prst="rect">
+            <a:avLst/>
+          </a:prstGeom>
+          <a:solidFill>
+            <a:srgbClr val="728FA5"/>
+          </a:solidFill>
+          <a:ln>
+            <a:noFill/>
+          </a:ln>
+        </p:spPr>
+        <p:style>
+          <a:lnRef idx="2">
+            <a:schemeClr val="accent2"/>
+          </a:lnRef>
+          <a:fillRef idx="1">
+            <a:schemeClr val="lt1"/>
+          </a:fillRef>
+          <a:effectRef idx="0">
+            <a:schemeClr val="accent2"/>
+          </a:effectRef>
+          <a:fontRef idx="minor">
+            <a:schemeClr val="dk1"/>
+          </a:fontRef>
+        </p:style>
+        <p:txBody>
+          <a:bodyPr lIns="91440" tIns="45720" rIns="91440" bIns="45720" rtlCol="0" anchor="ctr"/>
+          <a:lstStyle/>
+          <a:p>
+            <a:r>
+              <a:rPr lang="en-US">
+                <a:solidFill>
+                  <a:schemeClr val="bg1"/>
+                </a:solidFill>
+              </a:rPr>
+              <a:t>Maggioni Anna, </a:t>
+            </a:r>
+            <a:r>
+              <a:rPr lang="en-US" err="1">
+                <a:solidFill>
+                  <a:schemeClr val="bg1"/>
+                </a:solidFill>
+              </a:rPr>
+              <a:t>Mastromauro</a:t>
+            </a:r>
+            <a:r>
+              <a:rPr lang="en-US">
+                <a:solidFill>
+                  <a:schemeClr val="bg1"/>
+                </a:solidFill>
+              </a:rPr>
+              <a:t> Matteo, Pina Camilla, </a:t>
+            </a:r>
+            <a:r>
+              <a:rPr lang="en-US" err="1">
+                <a:solidFill>
+                  <a:schemeClr val="bg1"/>
+                </a:solidFill>
+              </a:rPr>
+              <a:t>Zagati</a:t>
+            </a:r>
+            <a:r>
+              <a:rPr lang="en-US">
+                <a:solidFill>
+                  <a:schemeClr val="bg1"/>
+                </a:solidFill>
+              </a:rPr>
+              <a:t> Alex</a:t>
+            </a:r>
+            <a:endParaRPr lang="en-US" sz="1800">
+              <a:solidFill>
+                <a:schemeClr val="bg1"/>
+              </a:solidFill>
+            </a:endParaRPr>
+          </a:p>
+        </p:txBody>
+      </p:sp>
+      <p:sp>
+        <p:nvSpPr>
+          <p:cNvPr id="4" name="CasellaDiTesto 4">
+            <a:extLst>
+              <a:ext uri="{FF2B5EF4-FFF2-40B4-BE49-F238E27FC236}">
+                <a16:creationId xmlns:a16="http://schemas.microsoft.com/office/drawing/2014/main" id="{39BA4C8E-E0B3-AB37-C5B2-21762DE863F0}"/>
+              </a:ext>
+            </a:extLst>
+          </p:cNvPr>
+          <p:cNvSpPr txBox="1"/>
+          <p:nvPr/>
+        </p:nvSpPr>
+        <p:spPr>
+          <a:xfrm>
+            <a:off x="205273" y="328533"/>
+            <a:ext cx="11598562" cy="461665"/>
+          </a:xfrm>
+          <a:prstGeom prst="rect">
+            <a:avLst/>
+          </a:prstGeom>
+          <a:noFill/>
+        </p:spPr>
+        <p:txBody>
+          <a:bodyPr rot="0" spcFirstLastPara="0" vertOverflow="overflow" horzOverflow="overflow" vert="horz" wrap="square" lIns="91440" tIns="45720" rIns="91440" bIns="45720" numCol="1" spcCol="0" rtlCol="0" fromWordArt="0" anchor="t" anchorCtr="0" forceAA="0" compatLnSpc="1">
+            <a:prstTxWarp prst="textNoShape">
+              <a:avLst/>
+            </a:prstTxWarp>
+            <a:spAutoFit/>
+          </a:bodyPr>
+          <a:lstStyle/>
+          <a:p>
+            <a:r>
+              <a:rPr lang="en-US" sz="2400" b="1" dirty="0">
+                <a:solidFill>
+                  <a:srgbClr val="FFFFFF"/>
+                </a:solidFill>
+                <a:cs typeface="Calibri"/>
+              </a:rPr>
+              <a:t>OBSERVER - EKF</a:t>
+            </a:r>
+            <a:endParaRPr lang="it-IT" sz="2400" dirty="0"/>
+          </a:p>
+        </p:txBody>
+      </p:sp>
+      <p:pic>
+        <p:nvPicPr>
+          <p:cNvPr id="3" name="Picture 2">
+            <a:extLst>
+              <a:ext uri="{FF2B5EF4-FFF2-40B4-BE49-F238E27FC236}">
+                <a16:creationId xmlns:a16="http://schemas.microsoft.com/office/drawing/2014/main" id="{DBDAC40C-01B5-EBA4-7592-15F5816F2DFE}"/>
+              </a:ext>
+            </a:extLst>
+          </p:cNvPr>
+          <p:cNvPicPr>
+            <a:picLocks noChangeAspect="1"/>
+          </p:cNvPicPr>
+          <p:nvPr/>
+        </p:nvPicPr>
+        <p:blipFill>
+          <a:blip r:embed="rId3"/>
+          <a:stretch>
+            <a:fillRect/>
+          </a:stretch>
+        </p:blipFill>
+        <p:spPr>
+          <a:xfrm>
+            <a:off x="3303169" y="2851972"/>
+            <a:ext cx="5199821" cy="2190582"/>
+          </a:xfrm>
+          <a:prstGeom prst="rect">
+            <a:avLst/>
+          </a:prstGeom>
+        </p:spPr>
+      </p:pic>
+      <p:sp>
+        <p:nvSpPr>
+          <p:cNvPr id="7" name="Arrow: Right 6">
+            <a:extLst>
+              <a:ext uri="{FF2B5EF4-FFF2-40B4-BE49-F238E27FC236}">
+                <a16:creationId xmlns:a16="http://schemas.microsoft.com/office/drawing/2014/main" id="{9FFE51CD-A2A3-48C6-7ED5-D127BB63AFC9}"/>
+              </a:ext>
+            </a:extLst>
+          </p:cNvPr>
+          <p:cNvSpPr/>
+          <p:nvPr/>
+        </p:nvSpPr>
+        <p:spPr>
+          <a:xfrm>
+            <a:off x="1663601" y="4298372"/>
+            <a:ext cx="930612" cy="220981"/>
+          </a:xfrm>
+          <a:prstGeom prst="rightArrow">
+            <a:avLst>
+              <a:gd name="adj1" fmla="val 36358"/>
+              <a:gd name="adj2" fmla="val 60685"/>
+            </a:avLst>
+          </a:prstGeom>
+        </p:spPr>
+        <p:style>
+          <a:lnRef idx="1">
+            <a:schemeClr val="dk1"/>
+          </a:lnRef>
+          <a:fillRef idx="3">
+            <a:schemeClr val="dk1"/>
+          </a:fillRef>
+          <a:effectRef idx="2">
+            <a:schemeClr val="dk1"/>
+          </a:effectRef>
+          <a:fontRef idx="minor">
+            <a:schemeClr val="lt1"/>
+          </a:fontRef>
+        </p:style>
+        <p:txBody>
+          <a:bodyPr rtlCol="0" anchor="ctr"/>
+          <a:lstStyle/>
+          <a:p>
+            <a:pPr algn="ctr"/>
+            <a:endParaRPr lang="en-GB"/>
+          </a:p>
+        </p:txBody>
+      </p:sp>
+      <mc:AlternateContent xmlns:mc="http://schemas.openxmlformats.org/markup-compatibility/2006" xmlns:a14="http://schemas.microsoft.com/office/drawing/2010/main">
+        <mc:Choice Requires="a14">
+          <p:sp>
+            <p:nvSpPr>
+              <p:cNvPr id="8" name="TextBox 7">
+                <a:extLst>
+                  <a:ext uri="{FF2B5EF4-FFF2-40B4-BE49-F238E27FC236}">
+                    <a16:creationId xmlns:a16="http://schemas.microsoft.com/office/drawing/2014/main" id="{5E0B63F1-CE4D-F03E-177A-3DD2346796C6}"/>
+                  </a:ext>
+                </a:extLst>
+              </p:cNvPr>
+              <p:cNvSpPr txBox="1"/>
+              <p:nvPr/>
+            </p:nvSpPr>
+            <p:spPr>
+              <a:xfrm>
+                <a:off x="1682712" y="3965431"/>
+                <a:ext cx="889507" cy="384208"/>
+              </a:xfrm>
+              <a:prstGeom prst="rect">
+                <a:avLst/>
+              </a:prstGeom>
+              <a:noFill/>
+            </p:spPr>
+            <p:txBody>
+              <a:bodyPr wrap="square" rtlCol="0">
+                <a:spAutoFit/>
+              </a:bodyPr>
+              <a:lstStyle/>
+              <a:p>
+                <a:pPr/>
+                <a14:m>
+                  <m:oMathPara xmlns:m="http://schemas.openxmlformats.org/officeDocument/2006/math">
+                    <m:oMathParaPr>
+                      <m:jc m:val="centerGroup"/>
+                    </m:oMathParaPr>
+                    <m:oMath xmlns:m="http://schemas.openxmlformats.org/officeDocument/2006/math">
+                      <m:acc>
+                        <m:accPr>
+                          <m:chr m:val="̂"/>
+                          <m:ctrlPr>
+                            <a:rPr lang="it-IT" b="0" i="1" smtClean="0">
+                              <a:latin typeface="Cambria Math" panose="02040503050406030204" pitchFamily="18" charset="0"/>
+                            </a:rPr>
+                          </m:ctrlPr>
+                        </m:accPr>
+                        <m:e>
+                          <m:r>
+                            <a:rPr lang="it-IT" b="0" i="1" smtClean="0">
+                              <a:latin typeface="Cambria Math" panose="02040503050406030204" pitchFamily="18" charset="0"/>
+                            </a:rPr>
+                            <m:t>𝜙</m:t>
+                          </m:r>
+                          <m:r>
+                            <a:rPr lang="it-IT" b="0" i="1" smtClean="0">
+                              <a:latin typeface="Cambria Math" panose="02040503050406030204" pitchFamily="18" charset="0"/>
+                            </a:rPr>
+                            <m:t> </m:t>
+                          </m:r>
+                        </m:e>
+                      </m:acc>
+                      <m:r>
+                        <a:rPr lang="it-IT" b="0" i="1" smtClean="0">
+                          <a:latin typeface="Cambria Math" panose="02040503050406030204" pitchFamily="18" charset="0"/>
+                        </a:rPr>
+                        <m:t>, </m:t>
+                      </m:r>
+                      <m:acc>
+                        <m:accPr>
+                          <m:chr m:val="̂"/>
+                          <m:ctrlPr>
+                            <a:rPr lang="it-IT" b="0" i="1" smtClean="0">
+                              <a:latin typeface="Cambria Math" panose="02040503050406030204" pitchFamily="18" charset="0"/>
+                            </a:rPr>
+                          </m:ctrlPr>
+                        </m:accPr>
+                        <m:e>
+                          <m:r>
+                            <a:rPr lang="it-IT" b="0" i="1" smtClean="0">
+                              <a:latin typeface="Cambria Math" panose="02040503050406030204" pitchFamily="18" charset="0"/>
+                            </a:rPr>
+                            <m:t>𝜃</m:t>
+                          </m:r>
+                        </m:e>
+                      </m:acc>
+                      <m:r>
+                        <a:rPr lang="it-IT" b="0" i="1" smtClean="0">
+                          <a:latin typeface="Cambria Math" panose="02040503050406030204" pitchFamily="18" charset="0"/>
+                        </a:rPr>
+                        <m:t>, </m:t>
+                      </m:r>
+                      <m:acc>
+                        <m:accPr>
+                          <m:chr m:val="̂"/>
+                          <m:ctrlPr>
+                            <a:rPr lang="it-IT" b="0" i="1" smtClean="0">
+                              <a:latin typeface="Cambria Math" panose="02040503050406030204" pitchFamily="18" charset="0"/>
+                            </a:rPr>
+                          </m:ctrlPr>
+                        </m:accPr>
+                        <m:e>
+                          <m:r>
+                            <a:rPr lang="it-IT" b="0" i="1" smtClean="0">
+                              <a:latin typeface="Cambria Math" panose="02040503050406030204" pitchFamily="18" charset="0"/>
+                            </a:rPr>
+                            <m:t>𝜓</m:t>
+                          </m:r>
+                        </m:e>
+                      </m:acc>
+                    </m:oMath>
+                  </m:oMathPara>
+                </a14:m>
+                <a:endParaRPr lang="en-GB" dirty="0"/>
+              </a:p>
+            </p:txBody>
+          </p:sp>
+        </mc:Choice>
+        <mc:Fallback xmlns="">
+          <p:sp>
+            <p:nvSpPr>
+              <p:cNvPr id="8" name="TextBox 7">
+                <a:extLst>
+                  <a:ext uri="{FF2B5EF4-FFF2-40B4-BE49-F238E27FC236}">
+                    <a16:creationId xmlns:a16="http://schemas.microsoft.com/office/drawing/2014/main" id="{5E0B63F1-CE4D-F03E-177A-3DD2346796C6}"/>
+                  </a:ext>
+                </a:extLst>
+              </p:cNvPr>
+              <p:cNvSpPr txBox="1">
+                <a:spLocks noRot="1" noChangeAspect="1" noMove="1" noResize="1" noEditPoints="1" noAdjustHandles="1" noChangeArrowheads="1" noChangeShapeType="1" noTextEdit="1"/>
+              </p:cNvSpPr>
+              <p:nvPr/>
+            </p:nvSpPr>
+            <p:spPr>
+              <a:xfrm>
+                <a:off x="1682712" y="3965431"/>
+                <a:ext cx="889507" cy="384208"/>
+              </a:xfrm>
+              <a:prstGeom prst="rect">
+                <a:avLst/>
+              </a:prstGeom>
+              <a:blipFill>
+                <a:blip r:embed="rId4"/>
+                <a:stretch>
+                  <a:fillRect t="-7813" r="-28767" b="-10938"/>
+                </a:stretch>
+              </a:blipFill>
+            </p:spPr>
+            <p:txBody>
+              <a:bodyPr/>
+              <a:lstStyle/>
+              <a:p>
+                <a:r>
+                  <a:rPr lang="en-GB">
+                    <a:noFill/>
+                  </a:rPr>
+                  <a:t> </a:t>
+                </a:r>
+              </a:p>
+            </p:txBody>
+          </p:sp>
+        </mc:Fallback>
+      </mc:AlternateContent>
+      <mc:AlternateContent xmlns:mc="http://schemas.openxmlformats.org/markup-compatibility/2006" xmlns:a14="http://schemas.microsoft.com/office/drawing/2010/main">
+        <mc:Choice Requires="a14">
+          <p:sp>
+            <p:nvSpPr>
+              <p:cNvPr id="9" name="TextBox 8">
+                <a:extLst>
+                  <a:ext uri="{FF2B5EF4-FFF2-40B4-BE49-F238E27FC236}">
+                    <a16:creationId xmlns:a16="http://schemas.microsoft.com/office/drawing/2014/main" id="{63092429-F674-4166-E682-3682823465F0}"/>
+                  </a:ext>
+                </a:extLst>
+              </p:cNvPr>
+              <p:cNvSpPr txBox="1"/>
+              <p:nvPr/>
+            </p:nvSpPr>
+            <p:spPr>
+              <a:xfrm>
+                <a:off x="1663601" y="3204984"/>
+                <a:ext cx="977900" cy="374270"/>
+              </a:xfrm>
+              <a:prstGeom prst="rect">
+                <a:avLst/>
+              </a:prstGeom>
+              <a:noFill/>
+            </p:spPr>
+            <p:txBody>
+              <a:bodyPr wrap="square" rtlCol="0">
+                <a:spAutoFit/>
+              </a:bodyPr>
+              <a:lstStyle/>
+              <a:p>
+                <a:pPr/>
+                <a14:m>
+                  <m:oMathPara xmlns:m="http://schemas.openxmlformats.org/officeDocument/2006/math">
+                    <m:oMathParaPr>
+                      <m:jc m:val="centerGroup"/>
+                    </m:oMathParaPr>
+                    <m:oMath xmlns:m="http://schemas.openxmlformats.org/officeDocument/2006/math">
+                      <m:sSup>
+                        <m:sSupPr>
+                          <m:ctrlPr>
+                            <a:rPr lang="it-IT" b="0" i="1" smtClean="0">
+                              <a:latin typeface="Cambria Math" panose="02040503050406030204" pitchFamily="18" charset="0"/>
+                            </a:rPr>
+                          </m:ctrlPr>
+                        </m:sSupPr>
+                        <m:e>
+                          <m:r>
+                            <a:rPr lang="it-IT" b="0" i="1" smtClean="0">
+                              <a:latin typeface="Cambria Math" panose="02040503050406030204" pitchFamily="18" charset="0"/>
+                            </a:rPr>
+                            <m:t>𝜔</m:t>
+                          </m:r>
+                        </m:e>
+                        <m:sup>
+                          <m:r>
+                            <a:rPr lang="it-IT" b="0" i="1" smtClean="0">
+                              <a:latin typeface="Cambria Math" panose="02040503050406030204" pitchFamily="18" charset="0"/>
+                            </a:rPr>
+                            <m:t>𝑏</m:t>
+                          </m:r>
+                        </m:sup>
+                      </m:sSup>
+                    </m:oMath>
+                  </m:oMathPara>
+                </a14:m>
+                <a:endParaRPr lang="en-GB" dirty="0"/>
+              </a:p>
+            </p:txBody>
+          </p:sp>
+        </mc:Choice>
+        <mc:Fallback xmlns="">
+          <p:sp>
+            <p:nvSpPr>
+              <p:cNvPr id="9" name="TextBox 8">
+                <a:extLst>
+                  <a:ext uri="{FF2B5EF4-FFF2-40B4-BE49-F238E27FC236}">
+                    <a16:creationId xmlns:a16="http://schemas.microsoft.com/office/drawing/2014/main" id="{63092429-F674-4166-E682-3682823465F0}"/>
+                  </a:ext>
+                </a:extLst>
+              </p:cNvPr>
+              <p:cNvSpPr txBox="1">
+                <a:spLocks noRot="1" noChangeAspect="1" noMove="1" noResize="1" noEditPoints="1" noAdjustHandles="1" noChangeArrowheads="1" noChangeShapeType="1" noTextEdit="1"/>
+              </p:cNvSpPr>
+              <p:nvPr/>
+            </p:nvSpPr>
+            <p:spPr>
+              <a:xfrm>
+                <a:off x="1663601" y="3204984"/>
+                <a:ext cx="977900" cy="374270"/>
+              </a:xfrm>
+              <a:prstGeom prst="rect">
+                <a:avLst/>
+              </a:prstGeom>
+              <a:blipFill>
+                <a:blip r:embed="rId5"/>
+                <a:stretch>
+                  <a:fillRect/>
+                </a:stretch>
+              </a:blipFill>
+            </p:spPr>
+            <p:txBody>
+              <a:bodyPr/>
+              <a:lstStyle/>
+              <a:p>
+                <a:r>
+                  <a:rPr lang="en-GB">
+                    <a:noFill/>
+                  </a:rPr>
+                  <a:t> </a:t>
+                </a:r>
+              </a:p>
+            </p:txBody>
+          </p:sp>
+        </mc:Fallback>
+      </mc:AlternateContent>
+      <mc:AlternateContent xmlns:mc="http://schemas.openxmlformats.org/markup-compatibility/2006" xmlns:a14="http://schemas.microsoft.com/office/drawing/2010/main">
+        <mc:Choice Requires="a14">
+          <p:sp>
+            <p:nvSpPr>
+              <p:cNvPr id="10" name="TextBox 9">
+                <a:extLst>
+                  <a:ext uri="{FF2B5EF4-FFF2-40B4-BE49-F238E27FC236}">
+                    <a16:creationId xmlns:a16="http://schemas.microsoft.com/office/drawing/2014/main" id="{ABAD404C-2A7D-8E82-F508-9A4F5D4FBE45}"/>
+                  </a:ext>
+                </a:extLst>
+              </p:cNvPr>
+              <p:cNvSpPr txBox="1"/>
+              <p:nvPr/>
+            </p:nvSpPr>
+            <p:spPr>
+              <a:xfrm>
+                <a:off x="2991481" y="2173971"/>
+                <a:ext cx="2373806" cy="427809"/>
+              </a:xfrm>
+              <a:prstGeom prst="rect">
+                <a:avLst/>
+              </a:prstGeom>
+              <a:noFill/>
+            </p:spPr>
+            <p:txBody>
+              <a:bodyPr wrap="square" rtlCol="0">
+                <a:spAutoFit/>
+              </a:bodyPr>
+              <a:lstStyle/>
+              <a:p>
+                <a14:m>
+                  <m:oMath xmlns:m="http://schemas.openxmlformats.org/officeDocument/2006/math">
+                    <m:acc>
+                      <m:accPr>
+                        <m:chr m:val="̂"/>
+                        <m:ctrlPr>
+                          <a:rPr lang="it-IT" b="0" i="1" smtClean="0">
+                            <a:latin typeface="Cambria Math" panose="02040503050406030204" pitchFamily="18" charset="0"/>
+                          </a:rPr>
+                        </m:ctrlPr>
+                      </m:accPr>
+                      <m:e>
+                        <m:acc>
+                          <m:accPr>
+                            <m:chr m:val="̇"/>
+                            <m:ctrlPr>
+                              <a:rPr lang="it-IT" b="0" i="1" smtClean="0">
+                                <a:latin typeface="Cambria Math" panose="02040503050406030204" pitchFamily="18" charset="0"/>
+                              </a:rPr>
+                            </m:ctrlPr>
+                          </m:accPr>
+                          <m:e>
+                            <m:r>
+                              <a:rPr lang="it-IT" b="0" i="1" smtClean="0">
+                                <a:latin typeface="Cambria Math" panose="02040503050406030204" pitchFamily="18" charset="0"/>
+                              </a:rPr>
+                              <m:t>𝜙</m:t>
+                            </m:r>
+                          </m:e>
+                        </m:acc>
+                      </m:e>
+                    </m:acc>
+                    <m:r>
+                      <a:rPr lang="it-IT" b="0" i="1" smtClean="0">
+                        <a:latin typeface="Cambria Math" panose="02040503050406030204" pitchFamily="18" charset="0"/>
+                      </a:rPr>
+                      <m:t>,</m:t>
+                    </m:r>
+                    <m:acc>
+                      <m:accPr>
+                        <m:chr m:val="̂"/>
+                        <m:ctrlPr>
+                          <a:rPr lang="it-IT" i="1">
+                            <a:latin typeface="Cambria Math" panose="02040503050406030204" pitchFamily="18" charset="0"/>
+                          </a:rPr>
+                        </m:ctrlPr>
+                      </m:accPr>
+                      <m:e>
+                        <m:acc>
+                          <m:accPr>
+                            <m:chr m:val="̇"/>
+                            <m:ctrlPr>
+                              <a:rPr lang="it-IT" i="1">
+                                <a:latin typeface="Cambria Math" panose="02040503050406030204" pitchFamily="18" charset="0"/>
+                              </a:rPr>
+                            </m:ctrlPr>
+                          </m:accPr>
+                          <m:e>
+                            <m:r>
+                              <a:rPr lang="it-IT" b="0" i="1" smtClean="0">
+                                <a:latin typeface="Cambria Math" panose="02040503050406030204" pitchFamily="18" charset="0"/>
+                              </a:rPr>
+                              <m:t>𝜃</m:t>
+                            </m:r>
+                          </m:e>
+                        </m:acc>
+                      </m:e>
+                    </m:acc>
+                    <m:r>
+                      <a:rPr lang="it-IT" b="0" i="1" smtClean="0">
+                        <a:latin typeface="Cambria Math" panose="02040503050406030204" pitchFamily="18" charset="0"/>
+                      </a:rPr>
+                      <m:t>,</m:t>
+                    </m:r>
+                    <m:acc>
+                      <m:accPr>
+                        <m:chr m:val="̂"/>
+                        <m:ctrlPr>
+                          <a:rPr lang="it-IT" i="1">
+                            <a:latin typeface="Cambria Math" panose="02040503050406030204" pitchFamily="18" charset="0"/>
+                          </a:rPr>
+                        </m:ctrlPr>
+                      </m:accPr>
+                      <m:e>
+                        <m:acc>
+                          <m:accPr>
+                            <m:chr m:val="̇"/>
+                            <m:ctrlPr>
+                              <a:rPr lang="it-IT" i="1">
+                                <a:latin typeface="Cambria Math" panose="02040503050406030204" pitchFamily="18" charset="0"/>
+                              </a:rPr>
+                            </m:ctrlPr>
+                          </m:accPr>
+                          <m:e>
+                            <m:r>
+                              <a:rPr lang="it-IT" b="0" i="1" smtClean="0">
+                                <a:latin typeface="Cambria Math" panose="02040503050406030204" pitchFamily="18" charset="0"/>
+                              </a:rPr>
+                              <m:t>𝜓</m:t>
+                            </m:r>
+                          </m:e>
+                        </m:acc>
+                      </m:e>
+                    </m:acc>
+                  </m:oMath>
+                </a14:m>
+                <a:r>
+                  <a:rPr lang="en-GB" dirty="0"/>
+                  <a:t> computation</a:t>
+                </a:r>
+              </a:p>
+            </p:txBody>
+          </p:sp>
+        </mc:Choice>
+        <mc:Fallback xmlns="">
+          <p:sp>
+            <p:nvSpPr>
+              <p:cNvPr id="10" name="TextBox 9">
+                <a:extLst>
+                  <a:ext uri="{FF2B5EF4-FFF2-40B4-BE49-F238E27FC236}">
+                    <a16:creationId xmlns:a16="http://schemas.microsoft.com/office/drawing/2014/main" id="{ABAD404C-2A7D-8E82-F508-9A4F5D4FBE45}"/>
+                  </a:ext>
+                </a:extLst>
+              </p:cNvPr>
+              <p:cNvSpPr txBox="1">
+                <a:spLocks noRot="1" noChangeAspect="1" noMove="1" noResize="1" noEditPoints="1" noAdjustHandles="1" noChangeArrowheads="1" noChangeShapeType="1" noTextEdit="1"/>
+              </p:cNvSpPr>
+              <p:nvPr/>
+            </p:nvSpPr>
+            <p:spPr>
+              <a:xfrm>
+                <a:off x="2991481" y="2173971"/>
+                <a:ext cx="2373806" cy="427809"/>
+              </a:xfrm>
+              <a:prstGeom prst="rect">
+                <a:avLst/>
+              </a:prstGeom>
+              <a:blipFill>
+                <a:blip r:embed="rId6"/>
+                <a:stretch>
+                  <a:fillRect l="-771" t="-5714" b="-22857"/>
+                </a:stretch>
+              </a:blipFill>
+            </p:spPr>
+            <p:txBody>
+              <a:bodyPr/>
+              <a:lstStyle/>
+              <a:p>
+                <a:r>
+                  <a:rPr lang="en-GB">
+                    <a:noFill/>
+                  </a:rPr>
+                  <a:t> </a:t>
+                </a:r>
+              </a:p>
+            </p:txBody>
+          </p:sp>
+        </mc:Fallback>
+      </mc:AlternateContent>
+      <p:sp>
+        <p:nvSpPr>
+          <p:cNvPr id="11" name="Arrow: Right 10">
+            <a:extLst>
+              <a:ext uri="{FF2B5EF4-FFF2-40B4-BE49-F238E27FC236}">
+                <a16:creationId xmlns:a16="http://schemas.microsoft.com/office/drawing/2014/main" id="{C68CFF71-BA1B-966D-E3C6-193681CB4D68}"/>
+              </a:ext>
+            </a:extLst>
+          </p:cNvPr>
+          <p:cNvSpPr/>
+          <p:nvPr/>
+        </p:nvSpPr>
+        <p:spPr>
+          <a:xfrm>
+            <a:off x="1663601" y="3460701"/>
+            <a:ext cx="930612" cy="220981"/>
+          </a:xfrm>
+          <a:prstGeom prst="rightArrow">
+            <a:avLst>
+              <a:gd name="adj1" fmla="val 36358"/>
+              <a:gd name="adj2" fmla="val 60685"/>
+            </a:avLst>
+          </a:prstGeom>
+        </p:spPr>
+        <p:style>
+          <a:lnRef idx="1">
+            <a:schemeClr val="dk1"/>
+          </a:lnRef>
+          <a:fillRef idx="3">
+            <a:schemeClr val="dk1"/>
+          </a:fillRef>
+          <a:effectRef idx="2">
+            <a:schemeClr val="dk1"/>
+          </a:effectRef>
+          <a:fontRef idx="minor">
+            <a:schemeClr val="lt1"/>
+          </a:fontRef>
+        </p:style>
+        <p:txBody>
+          <a:bodyPr rtlCol="0" anchor="ctr"/>
+          <a:lstStyle/>
+          <a:p>
+            <a:pPr algn="ctr"/>
+            <a:endParaRPr lang="en-GB"/>
+          </a:p>
+        </p:txBody>
+      </p:sp>
+      <p:sp>
+        <p:nvSpPr>
+          <p:cNvPr id="12" name="Arrow: Right 11">
+            <a:extLst>
+              <a:ext uri="{FF2B5EF4-FFF2-40B4-BE49-F238E27FC236}">
+                <a16:creationId xmlns:a16="http://schemas.microsoft.com/office/drawing/2014/main" id="{243CB9CD-FD9F-BC4D-1216-BE0DC0233CA9}"/>
+              </a:ext>
+            </a:extLst>
+          </p:cNvPr>
+          <p:cNvSpPr/>
+          <p:nvPr/>
+        </p:nvSpPr>
+        <p:spPr>
+          <a:xfrm>
+            <a:off x="9191755" y="3854940"/>
+            <a:ext cx="930612" cy="220981"/>
+          </a:xfrm>
+          <a:prstGeom prst="rightArrow">
+            <a:avLst>
+              <a:gd name="adj1" fmla="val 36358"/>
+              <a:gd name="adj2" fmla="val 60685"/>
+            </a:avLst>
+          </a:prstGeom>
+        </p:spPr>
+        <p:style>
+          <a:lnRef idx="1">
+            <a:schemeClr val="dk1"/>
+          </a:lnRef>
+          <a:fillRef idx="3">
+            <a:schemeClr val="dk1"/>
+          </a:fillRef>
+          <a:effectRef idx="2">
+            <a:schemeClr val="dk1"/>
+          </a:effectRef>
+          <a:fontRef idx="minor">
+            <a:schemeClr val="lt1"/>
+          </a:fontRef>
+        </p:style>
+        <p:txBody>
+          <a:bodyPr rtlCol="0" anchor="ctr"/>
+          <a:lstStyle/>
+          <a:p>
+            <a:pPr algn="ctr"/>
+            <a:endParaRPr lang="en-GB"/>
+          </a:p>
+        </p:txBody>
+      </p:sp>
+      <mc:AlternateContent xmlns:mc="http://schemas.openxmlformats.org/markup-compatibility/2006" xmlns:a14="http://schemas.microsoft.com/office/drawing/2010/main">
+        <mc:Choice Requires="a14">
+          <p:sp>
+            <p:nvSpPr>
+              <p:cNvPr id="14" name="TextBox 13">
+                <a:extLst>
+                  <a:ext uri="{FF2B5EF4-FFF2-40B4-BE49-F238E27FC236}">
+                    <a16:creationId xmlns:a16="http://schemas.microsoft.com/office/drawing/2014/main" id="{5457AEF0-E7E1-70FB-2873-0E7E97A8B42B}"/>
+                  </a:ext>
+                </a:extLst>
+              </p:cNvPr>
+              <p:cNvSpPr txBox="1"/>
+              <p:nvPr/>
+            </p:nvSpPr>
+            <p:spPr>
+              <a:xfrm>
+                <a:off x="9037488" y="3519454"/>
+                <a:ext cx="1211731" cy="427809"/>
+              </a:xfrm>
+              <a:prstGeom prst="rect">
+                <a:avLst/>
+              </a:prstGeom>
+              <a:noFill/>
+            </p:spPr>
+            <p:txBody>
+              <a:bodyPr wrap="square">
+                <a:spAutoFit/>
+              </a:bodyPr>
+              <a:lstStyle/>
+              <a:p>
+                <a:pPr/>
+                <a14:m>
+                  <m:oMathPara xmlns:m="http://schemas.openxmlformats.org/officeDocument/2006/math">
+                    <m:oMathParaPr>
+                      <m:jc m:val="centerGroup"/>
+                    </m:oMathParaPr>
+                    <m:oMath xmlns:m="http://schemas.openxmlformats.org/officeDocument/2006/math">
+                      <m:acc>
+                        <m:accPr>
+                          <m:chr m:val="̂"/>
+                          <m:ctrlPr>
+                            <a:rPr lang="it-IT" b="0" i="1" smtClean="0">
+                              <a:latin typeface="Cambria Math" panose="02040503050406030204" pitchFamily="18" charset="0"/>
+                            </a:rPr>
+                          </m:ctrlPr>
+                        </m:accPr>
+                        <m:e>
+                          <m:acc>
+                            <m:accPr>
+                              <m:chr m:val="̇"/>
+                              <m:ctrlPr>
+                                <a:rPr lang="it-IT" b="0" i="1" smtClean="0">
+                                  <a:latin typeface="Cambria Math" panose="02040503050406030204" pitchFamily="18" charset="0"/>
+                                </a:rPr>
+                              </m:ctrlPr>
+                            </m:accPr>
+                            <m:e>
+                              <m:r>
+                                <a:rPr lang="it-IT" b="0" i="1" smtClean="0">
+                                  <a:latin typeface="Cambria Math" panose="02040503050406030204" pitchFamily="18" charset="0"/>
+                                </a:rPr>
+                                <m:t>𝜙</m:t>
+                              </m:r>
+                            </m:e>
+                          </m:acc>
+                        </m:e>
+                      </m:acc>
+                      <m:r>
+                        <a:rPr lang="it-IT" b="0" i="1" smtClean="0">
+                          <a:latin typeface="Cambria Math" panose="02040503050406030204" pitchFamily="18" charset="0"/>
+                        </a:rPr>
+                        <m:t>,</m:t>
+                      </m:r>
+                      <m:acc>
+                        <m:accPr>
+                          <m:chr m:val="̂"/>
+                          <m:ctrlPr>
+                            <a:rPr lang="it-IT" i="1">
+                              <a:latin typeface="Cambria Math" panose="02040503050406030204" pitchFamily="18" charset="0"/>
+                            </a:rPr>
+                          </m:ctrlPr>
+                        </m:accPr>
+                        <m:e>
+                          <m:acc>
+                            <m:accPr>
+                              <m:chr m:val="̇"/>
+                              <m:ctrlPr>
+                                <a:rPr lang="it-IT" i="1">
+                                  <a:latin typeface="Cambria Math" panose="02040503050406030204" pitchFamily="18" charset="0"/>
+                                </a:rPr>
+                              </m:ctrlPr>
+                            </m:accPr>
+                            <m:e>
+                              <m:r>
+                                <a:rPr lang="it-IT" b="0" i="1" smtClean="0">
+                                  <a:latin typeface="Cambria Math" panose="02040503050406030204" pitchFamily="18" charset="0"/>
+                                </a:rPr>
+                                <m:t>𝜃</m:t>
+                              </m:r>
+                            </m:e>
+                          </m:acc>
+                        </m:e>
+                      </m:acc>
+                      <m:r>
+                        <a:rPr lang="it-IT" b="0" i="1" smtClean="0">
+                          <a:latin typeface="Cambria Math" panose="02040503050406030204" pitchFamily="18" charset="0"/>
+                        </a:rPr>
+                        <m:t>,</m:t>
+                      </m:r>
+                      <m:acc>
+                        <m:accPr>
+                          <m:chr m:val="̂"/>
+                          <m:ctrlPr>
+                            <a:rPr lang="it-IT" i="1">
+                              <a:latin typeface="Cambria Math" panose="02040503050406030204" pitchFamily="18" charset="0"/>
+                            </a:rPr>
+                          </m:ctrlPr>
+                        </m:accPr>
+                        <m:e>
+                          <m:acc>
+                            <m:accPr>
+                              <m:chr m:val="̇"/>
+                              <m:ctrlPr>
+                                <a:rPr lang="it-IT" i="1">
+                                  <a:latin typeface="Cambria Math" panose="02040503050406030204" pitchFamily="18" charset="0"/>
+                                </a:rPr>
+                              </m:ctrlPr>
+                            </m:accPr>
+                            <m:e>
+                              <m:r>
+                                <a:rPr lang="it-IT" b="0" i="1" smtClean="0">
+                                  <a:latin typeface="Cambria Math" panose="02040503050406030204" pitchFamily="18" charset="0"/>
+                                </a:rPr>
+                                <m:t>𝜓</m:t>
+                              </m:r>
+                            </m:e>
+                          </m:acc>
+                        </m:e>
+                      </m:acc>
+                    </m:oMath>
+                  </m:oMathPara>
+                </a14:m>
+                <a:endParaRPr lang="en-GB" dirty="0"/>
+              </a:p>
+            </p:txBody>
+          </p:sp>
+        </mc:Choice>
+        <mc:Fallback xmlns="">
+          <p:sp>
+            <p:nvSpPr>
+              <p:cNvPr id="14" name="TextBox 13">
+                <a:extLst>
+                  <a:ext uri="{FF2B5EF4-FFF2-40B4-BE49-F238E27FC236}">
+                    <a16:creationId xmlns:a16="http://schemas.microsoft.com/office/drawing/2014/main" id="{5457AEF0-E7E1-70FB-2873-0E7E97A8B42B}"/>
+                  </a:ext>
+                </a:extLst>
+              </p:cNvPr>
+              <p:cNvSpPr txBox="1">
+                <a:spLocks noRot="1" noChangeAspect="1" noMove="1" noResize="1" noEditPoints="1" noAdjustHandles="1" noChangeArrowheads="1" noChangeShapeType="1" noTextEdit="1"/>
+              </p:cNvSpPr>
+              <p:nvPr/>
+            </p:nvSpPr>
+            <p:spPr>
+              <a:xfrm>
+                <a:off x="9037488" y="3519454"/>
+                <a:ext cx="1211731" cy="427809"/>
+              </a:xfrm>
+              <a:prstGeom prst="rect">
+                <a:avLst/>
+              </a:prstGeom>
+              <a:blipFill>
+                <a:blip r:embed="rId7"/>
+                <a:stretch>
+                  <a:fillRect t="-5634" r="-5556" b="-11268"/>
+                </a:stretch>
+              </a:blipFill>
+            </p:spPr>
+            <p:txBody>
+              <a:bodyPr/>
+              <a:lstStyle/>
+              <a:p>
+                <a:r>
+                  <a:rPr lang="en-GB">
+                    <a:noFill/>
+                  </a:rPr>
+                  <a:t> </a:t>
+                </a:r>
+              </a:p>
+            </p:txBody>
+          </p:sp>
+        </mc:Fallback>
+      </mc:AlternateContent>
+    </p:spTree>
+    <p:extLst>
+      <p:ext uri="{BB962C8B-B14F-4D97-AF65-F5344CB8AC3E}">
+        <p14:creationId xmlns:p14="http://schemas.microsoft.com/office/powerpoint/2010/main" val="2608402305"/>
+      </p:ext>
+    </p:extLst>
+  </p:cSld>
+  <p:clrMapOvr>
+    <a:masterClrMapping/>
+  </p:clrMapOvr>
+</p:sld>
+</file>
+
+<file path=ppt/slides/slide9.xml><?xml version="1.0" encoding="utf-8"?>
+<p:sld xmlns:a="http://schemas.openxmlformats.org/drawingml/2006/main" xmlns:r="http://schemas.openxmlformats.org/officeDocument/2006/relationships" xmlns:p="http://schemas.openxmlformats.org/presentationml/2006/main">
+  <p:cSld>
+    <p:spTree>
+      <p:nvGrpSpPr>
+        <p:cNvPr id="1" name=""/>
+        <p:cNvGrpSpPr/>
+        <p:nvPr/>
+      </p:nvGrpSpPr>
+      <p:grpSpPr>
+        <a:xfrm>
+          <a:off x="0" y="0"/>
+          <a:ext cx="0" cy="0"/>
+          <a:chOff x="0" y="0"/>
+          <a:chExt cx="0" cy="0"/>
+        </a:xfrm>
+      </p:grpSpPr>
+      <p:sp>
+        <p:nvSpPr>
+          <p:cNvPr id="37" name="Titolo 5">
+            <a:extLst>
+              <a:ext uri="{FF2B5EF4-FFF2-40B4-BE49-F238E27FC236}">
+                <a16:creationId xmlns:a16="http://schemas.microsoft.com/office/drawing/2014/main" id="{4597CFC1-1A6D-2842-A5C5-FF24297C37BC}"/>
+              </a:ext>
+            </a:extLst>
+          </p:cNvPr>
+          <p:cNvSpPr txBox="1">
+            <a:spLocks/>
+          </p:cNvSpPr>
+          <p:nvPr/>
+        </p:nvSpPr>
+        <p:spPr>
+          <a:xfrm>
+            <a:off x="289250" y="139166"/>
+            <a:ext cx="10104316" cy="840400"/>
+          </a:xfrm>
+          <a:prstGeom prst="rect">
+            <a:avLst/>
+          </a:prstGeom>
+        </p:spPr>
+        <p:txBody>
+          <a:bodyPr vert="horz" lIns="91440" tIns="45720" rIns="91440" bIns="45720" rtlCol="0" anchor="t" anchorCtr="0">
+            <a:normAutofit/>
+          </a:bodyPr>
+          <a:lstStyle>
+            <a:lvl1pPr marL="0" indent="0" algn="l" defTabSz="457200" rtl="0" eaLnBrk="1" latinLnBrk="0" hangingPunct="1">
+              <a:spcBef>
+                <a:spcPct val="0"/>
+              </a:spcBef>
+              <a:buNone/>
+              <a:defRPr sz="2200" b="1" kern="1200">
+                <a:solidFill>
+                  <a:schemeClr val="bg1"/>
+                </a:solidFill>
+                <a:latin typeface="Arial"/>
+                <a:ea typeface="+mj-ea"/>
+                <a:cs typeface="Arial"/>
+              </a:defRPr>
+            </a:lvl1pPr>
+          </a:lstStyle>
+          <a:p>
+            <a:endParaRPr lang="en-US" sz="2200"/>
+          </a:p>
+        </p:txBody>
+      </p:sp>
+      <p:sp>
+        <p:nvSpPr>
+          <p:cNvPr id="21" name="Rettangolo 20">
+            <a:extLst>
+              <a:ext uri="{FF2B5EF4-FFF2-40B4-BE49-F238E27FC236}">
+                <a16:creationId xmlns:a16="http://schemas.microsoft.com/office/drawing/2014/main" id="{89957A61-43FF-2E56-B5FD-18FAE251F81A}"/>
+              </a:ext>
+            </a:extLst>
+          </p:cNvPr>
+          <p:cNvSpPr/>
+          <p:nvPr/>
+        </p:nvSpPr>
+        <p:spPr>
+          <a:xfrm>
+            <a:off x="205272" y="6331974"/>
+            <a:ext cx="6657643" cy="369332"/>
+          </a:xfrm>
+          <a:prstGeom prst="rect">
+            <a:avLst/>
+          </a:prstGeom>
+          <a:solidFill>
+            <a:srgbClr val="728FA5"/>
+          </a:solidFill>
+          <a:ln>
+            <a:noFill/>
+          </a:ln>
+        </p:spPr>
+        <p:style>
+          <a:lnRef idx="2">
+            <a:schemeClr val="accent2"/>
+          </a:lnRef>
+          <a:fillRef idx="1">
+            <a:schemeClr val="lt1"/>
+          </a:fillRef>
+          <a:effectRef idx="0">
+            <a:schemeClr val="accent2"/>
+          </a:effectRef>
+          <a:fontRef idx="minor">
+            <a:schemeClr val="dk1"/>
+          </a:fontRef>
+        </p:style>
+        <p:txBody>
+          <a:bodyPr lIns="91440" tIns="45720" rIns="91440" bIns="45720" rtlCol="0" anchor="ctr"/>
+          <a:lstStyle/>
+          <a:p>
+            <a:r>
+              <a:rPr lang="en-US">
+                <a:solidFill>
+                  <a:schemeClr val="bg1"/>
+                </a:solidFill>
+              </a:rPr>
+              <a:t>Maggioni Anna, </a:t>
+            </a:r>
+            <a:r>
+              <a:rPr lang="en-US" err="1">
+                <a:solidFill>
+                  <a:schemeClr val="bg1"/>
+                </a:solidFill>
+              </a:rPr>
+              <a:t>Mastromauro</a:t>
+            </a:r>
+            <a:r>
+              <a:rPr lang="en-US">
+                <a:solidFill>
+                  <a:schemeClr val="bg1"/>
+                </a:solidFill>
+              </a:rPr>
+              <a:t> Matteo, Pina Camilla, </a:t>
+            </a:r>
+            <a:r>
+              <a:rPr lang="en-US" err="1">
+                <a:solidFill>
+                  <a:schemeClr val="bg1"/>
+                </a:solidFill>
+              </a:rPr>
+              <a:t>Zagati</a:t>
+            </a:r>
+            <a:r>
+              <a:rPr lang="en-US">
+                <a:solidFill>
+                  <a:schemeClr val="bg1"/>
+                </a:solidFill>
+              </a:rPr>
+              <a:t> Alex</a:t>
+            </a:r>
+            <a:endParaRPr lang="en-US" sz="1800">
+              <a:solidFill>
+                <a:schemeClr val="bg1"/>
+              </a:solidFill>
+            </a:endParaRPr>
+          </a:p>
+        </p:txBody>
+      </p:sp>
+      <p:sp>
+        <p:nvSpPr>
+          <p:cNvPr id="4" name="CasellaDiTesto 4">
+            <a:extLst>
+              <a:ext uri="{FF2B5EF4-FFF2-40B4-BE49-F238E27FC236}">
+                <a16:creationId xmlns:a16="http://schemas.microsoft.com/office/drawing/2014/main" id="{39BA4C8E-E0B3-AB37-C5B2-21762DE863F0}"/>
+              </a:ext>
+            </a:extLst>
+          </p:cNvPr>
+          <p:cNvSpPr txBox="1"/>
+          <p:nvPr/>
+        </p:nvSpPr>
+        <p:spPr>
+          <a:xfrm>
+            <a:off x="205273" y="328533"/>
+            <a:ext cx="11598562" cy="461665"/>
+          </a:xfrm>
+          <a:prstGeom prst="rect">
+            <a:avLst/>
+          </a:prstGeom>
+          <a:noFill/>
+        </p:spPr>
+        <p:txBody>
+          <a:bodyPr rot="0" spcFirstLastPara="0" vertOverflow="overflow" horzOverflow="overflow" vert="horz" wrap="square" lIns="91440" tIns="45720" rIns="91440" bIns="45720" numCol="1" spcCol="0" rtlCol="0" fromWordArt="0" anchor="t" anchorCtr="0" forceAA="0" compatLnSpc="1">
+            <a:prstTxWarp prst="textNoShape">
+              <a:avLst/>
+            </a:prstTxWarp>
+            <a:spAutoFit/>
+          </a:bodyPr>
+          <a:lstStyle/>
+          <a:p>
+            <a:r>
+              <a:rPr lang="en-US" sz="2400" b="1" dirty="0">
+                <a:solidFill>
+                  <a:srgbClr val="FFFFFF"/>
+                </a:solidFill>
+                <a:cs typeface="Calibri"/>
+              </a:rPr>
+              <a:t>OBSERVER - EKF</a:t>
+            </a:r>
+            <a:endParaRPr lang="it-IT" sz="2400" dirty="0"/>
+          </a:p>
+        </p:txBody>
+      </p:sp>
+      <p:sp>
+        <p:nvSpPr>
+          <p:cNvPr id="17" name="TextBox 16">
+            <a:extLst>
+              <a:ext uri="{FF2B5EF4-FFF2-40B4-BE49-F238E27FC236}">
+                <a16:creationId xmlns:a16="http://schemas.microsoft.com/office/drawing/2014/main" id="{5C69B125-3DD7-8F62-A205-04DCF4021B21}"/>
+              </a:ext>
+            </a:extLst>
+          </p:cNvPr>
+          <p:cNvSpPr txBox="1"/>
+          <p:nvPr/>
+        </p:nvSpPr>
+        <p:spPr>
+          <a:xfrm>
+            <a:off x="54501" y="1295905"/>
+            <a:ext cx="1035512" cy="369332"/>
+          </a:xfrm>
+          <a:prstGeom prst="rect">
+            <a:avLst/>
+          </a:prstGeom>
+          <a:noFill/>
+        </p:spPr>
+        <p:txBody>
+          <a:bodyPr wrap="square" rtlCol="0">
+            <a:spAutoFit/>
+          </a:bodyPr>
+          <a:lstStyle/>
+          <a:p>
+            <a:r>
+              <a:rPr lang="it-IT" dirty="0" err="1"/>
+              <a:t>Results</a:t>
+            </a:r>
+            <a:r>
+              <a:rPr lang="it-IT" dirty="0"/>
+              <a:t>:</a:t>
+            </a:r>
+            <a:endParaRPr lang="en-GB" dirty="0"/>
+          </a:p>
+        </p:txBody>
+      </p:sp>
+      <p:pic>
+        <p:nvPicPr>
+          <p:cNvPr id="3" name="Picture 2" descr="A graph with lines and numbers&#10;&#10;Description automatically generated">
+            <a:extLst>
+              <a:ext uri="{FF2B5EF4-FFF2-40B4-BE49-F238E27FC236}">
+                <a16:creationId xmlns:a16="http://schemas.microsoft.com/office/drawing/2014/main" id="{7C80E3A7-92A5-661D-9992-0F1322F465A9}"/>
+              </a:ext>
+            </a:extLst>
+          </p:cNvPr>
+          <p:cNvPicPr>
+            <a:picLocks noChangeAspect="1"/>
+          </p:cNvPicPr>
+          <p:nvPr/>
+        </p:nvPicPr>
+        <p:blipFill>
+          <a:blip r:embed="rId3">
+            <a:extLst>
+              <a:ext uri="{28A0092B-C50C-407E-A947-70E740481C1C}">
+                <a14:useLocalDpi xmlns:a14="http://schemas.microsoft.com/office/drawing/2010/main" val="0"/>
+              </a:ext>
+            </a:extLst>
+          </a:blip>
+          <a:stretch>
+            <a:fillRect/>
+          </a:stretch>
+        </p:blipFill>
+        <p:spPr>
+          <a:xfrm>
+            <a:off x="1652447" y="1288789"/>
+            <a:ext cx="8741118" cy="1611986"/>
+          </a:xfrm>
+          <a:prstGeom prst="rect">
+            <a:avLst/>
+          </a:prstGeom>
+          <a:ln>
+            <a:noFill/>
+          </a:ln>
+        </p:spPr>
+      </p:pic>
+      <p:pic>
+        <p:nvPicPr>
+          <p:cNvPr id="6" name="Picture 5" descr="A graph showing a graph&#10;&#10;Description automatically generated">
+            <a:extLst>
+              <a:ext uri="{FF2B5EF4-FFF2-40B4-BE49-F238E27FC236}">
+                <a16:creationId xmlns:a16="http://schemas.microsoft.com/office/drawing/2014/main" id="{48BEEBBD-3746-7486-CB44-679C0A541BCD}"/>
+              </a:ext>
+            </a:extLst>
+          </p:cNvPr>
+          <p:cNvPicPr>
+            <a:picLocks noChangeAspect="1"/>
+          </p:cNvPicPr>
+          <p:nvPr/>
+        </p:nvPicPr>
+        <p:blipFill>
+          <a:blip r:embed="rId4">
+            <a:extLst>
+              <a:ext uri="{28A0092B-C50C-407E-A947-70E740481C1C}">
+                <a14:useLocalDpi xmlns:a14="http://schemas.microsoft.com/office/drawing/2010/main" val="0"/>
+              </a:ext>
+            </a:extLst>
+          </a:blip>
+          <a:stretch>
+            <a:fillRect/>
+          </a:stretch>
+        </p:blipFill>
+        <p:spPr>
+          <a:xfrm>
+            <a:off x="1652447" y="4512496"/>
+            <a:ext cx="8741118" cy="1601532"/>
+          </a:xfrm>
+          <a:prstGeom prst="rect">
+            <a:avLst/>
+          </a:prstGeom>
+          <a:ln>
+            <a:noFill/>
+          </a:ln>
+        </p:spPr>
+      </p:pic>
+      <p:pic>
+        <p:nvPicPr>
+          <p:cNvPr id="10" name="Picture 9" descr="A graph with a line&#10;&#10;Description automatically generated">
+            <a:extLst>
+              <a:ext uri="{FF2B5EF4-FFF2-40B4-BE49-F238E27FC236}">
+                <a16:creationId xmlns:a16="http://schemas.microsoft.com/office/drawing/2014/main" id="{05815C2D-C6EF-217D-74E3-E44686D57121}"/>
+              </a:ext>
+            </a:extLst>
+          </p:cNvPr>
+          <p:cNvPicPr>
+            <a:picLocks noChangeAspect="1"/>
+          </p:cNvPicPr>
+          <p:nvPr/>
+        </p:nvPicPr>
+        <p:blipFill>
+          <a:blip r:embed="rId5">
+            <a:extLst>
+              <a:ext uri="{28A0092B-C50C-407E-A947-70E740481C1C}">
+                <a14:useLocalDpi xmlns:a14="http://schemas.microsoft.com/office/drawing/2010/main" val="0"/>
+              </a:ext>
+            </a:extLst>
+          </a:blip>
+          <a:stretch>
+            <a:fillRect/>
+          </a:stretch>
+        </p:blipFill>
+        <p:spPr>
+          <a:xfrm>
+            <a:off x="1652450" y="2871451"/>
+            <a:ext cx="8741115" cy="1611986"/>
+          </a:xfrm>
+          <a:prstGeom prst="rect">
+            <a:avLst/>
+          </a:prstGeom>
+        </p:spPr>
+      </p:pic>
+    </p:spTree>
+    <p:extLst>
+      <p:ext uri="{BB962C8B-B14F-4D97-AF65-F5344CB8AC3E}">
+        <p14:creationId xmlns:p14="http://schemas.microsoft.com/office/powerpoint/2010/main" val="59607545"/>
       </p:ext>
     </p:extLst>
   </p:cSld>
